--- a/DACS-POC-Design.pptx
+++ b/DACS-POC-Design.pptx
@@ -5,13 +5,15 @@
     <p:sldMasterId id="2147483648" r:id="rId1"/>
   </p:sldMasterIdLst>
   <p:sldIdLst>
-    <p:sldId id="256" r:id="rId2"/>
-    <p:sldId id="257" r:id="rId3"/>
-    <p:sldId id="258" r:id="rId4"/>
-    <p:sldId id="259" r:id="rId5"/>
-    <p:sldId id="262" r:id="rId6"/>
-    <p:sldId id="260" r:id="rId7"/>
-    <p:sldId id="261" r:id="rId8"/>
+    <p:sldId id="263" r:id="rId2"/>
+    <p:sldId id="256" r:id="rId3"/>
+    <p:sldId id="257" r:id="rId4"/>
+    <p:sldId id="258" r:id="rId5"/>
+    <p:sldId id="259" r:id="rId6"/>
+    <p:sldId id="262" r:id="rId7"/>
+    <p:sldId id="260" r:id="rId8"/>
+    <p:sldId id="261" r:id="rId9"/>
+    <p:sldId id="264" r:id="rId10"/>
   </p:sldIdLst>
   <p:sldSz cx="9144000" cy="6858000" type="screen4x3"/>
   <p:notesSz cx="6858000" cy="9144000"/>
@@ -3067,6 +3069,66 @@
       </p:grpSpPr>
       <p:sp>
         <p:nvSpPr>
+          <p:cNvPr id="2" name="Title 1"/>
+          <p:cNvSpPr>
+            <a:spLocks noGrp="1"/>
+          </p:cNvSpPr>
+          <p:nvPr>
+            <p:ph type="title"/>
+          </p:nvPr>
+        </p:nvSpPr>
+        <p:spPr>
+          <a:xfrm>
+            <a:off x="533400" y="2819400"/>
+            <a:ext cx="8229600" cy="1143000"/>
+          </a:xfrm>
+        </p:spPr>
+        <p:txBody>
+          <a:bodyPr>
+            <a:normAutofit fontScale="90000"/>
+          </a:bodyPr>
+          <a:lstStyle/>
+          <a:p>
+            <a:r>
+              <a:rPr lang="en-US" dirty="0" smtClean="0"/>
+              <a:t>Automated Dormant account closure system Design</a:t>
+            </a:r>
+            <a:endParaRPr lang="en-US" dirty="0"/>
+          </a:p>
+        </p:txBody>
+      </p:sp>
+    </p:spTree>
+    <p:extLst>
+      <p:ext uri="{BB962C8B-B14F-4D97-AF65-F5344CB8AC3E}">
+        <p14:creationId xmlns:p14="http://schemas.microsoft.com/office/powerpoint/2010/main" val="313391569"/>
+      </p:ext>
+    </p:extLst>
+  </p:cSld>
+  <p:clrMapOvr>
+    <a:masterClrMapping/>
+  </p:clrMapOvr>
+</p:sld>
+</file>
+
+<file path=ppt/slides/slide2.xml><?xml version="1.0" encoding="utf-8"?>
+<p:sld xmlns:a="http://schemas.openxmlformats.org/drawingml/2006/main" xmlns:r="http://schemas.openxmlformats.org/officeDocument/2006/relationships" xmlns:p="http://schemas.openxmlformats.org/presentationml/2006/main">
+  <p:cSld>
+    <p:spTree>
+      <p:nvGrpSpPr>
+        <p:cNvPr id="1" name=""/>
+        <p:cNvGrpSpPr/>
+        <p:nvPr/>
+      </p:nvGrpSpPr>
+      <p:grpSpPr>
+        <a:xfrm>
+          <a:off x="0" y="0"/>
+          <a:ext cx="0" cy="0"/>
+          <a:chOff x="0" y="0"/>
+          <a:chExt cx="0" cy="0"/>
+        </a:xfrm>
+      </p:grpSpPr>
+      <p:sp>
+        <p:nvSpPr>
           <p:cNvPr id="11" name="Rectangle 10"/>
           <p:cNvSpPr/>
           <p:nvPr/>
@@ -3484,7 +3546,7 @@
 </p:sld>
 </file>
 
-<file path=ppt/slides/slide2.xml><?xml version="1.0" encoding="utf-8"?>
+<file path=ppt/slides/slide3.xml><?xml version="1.0" encoding="utf-8"?>
 <p:sld xmlns:a="http://schemas.openxmlformats.org/drawingml/2006/main" xmlns:r="http://schemas.openxmlformats.org/officeDocument/2006/relationships" xmlns:p="http://schemas.openxmlformats.org/presentationml/2006/main">
   <p:cSld>
     <p:spTree>
@@ -3553,7 +3615,7 @@
 </p:sld>
 </file>
 
-<file path=ppt/slides/slide3.xml><?xml version="1.0" encoding="utf-8"?>
+<file path=ppt/slides/slide4.xml><?xml version="1.0" encoding="utf-8"?>
 <p:sld xmlns:a="http://schemas.openxmlformats.org/drawingml/2006/main" xmlns:r="http://schemas.openxmlformats.org/officeDocument/2006/relationships" xmlns:p="http://schemas.openxmlformats.org/presentationml/2006/main">
   <p:cSld>
     <p:spTree>
@@ -4655,1310 +4717,6 @@
 </p:sld>
 </file>
 
-<file path=ppt/slides/slide4.xml><?xml version="1.0" encoding="utf-8"?>
-<p:sld xmlns:a="http://schemas.openxmlformats.org/drawingml/2006/main" xmlns:r="http://schemas.openxmlformats.org/officeDocument/2006/relationships" xmlns:p="http://schemas.openxmlformats.org/presentationml/2006/main">
-  <p:cSld>
-    <p:spTree>
-      <p:nvGrpSpPr>
-        <p:cNvPr id="1" name=""/>
-        <p:cNvGrpSpPr/>
-        <p:nvPr/>
-      </p:nvGrpSpPr>
-      <p:grpSpPr>
-        <a:xfrm>
-          <a:off x="0" y="0"/>
-          <a:ext cx="0" cy="0"/>
-          <a:chOff x="0" y="0"/>
-          <a:chExt cx="0" cy="0"/>
-        </a:xfrm>
-      </p:grpSpPr>
-      <p:sp>
-        <p:nvSpPr>
-          <p:cNvPr id="4" name="Rectangle 3"/>
-          <p:cNvSpPr/>
-          <p:nvPr/>
-        </p:nvSpPr>
-        <p:spPr>
-          <a:xfrm>
-            <a:off x="193964" y="176645"/>
-            <a:ext cx="8610600" cy="381000"/>
-          </a:xfrm>
-          <a:prstGeom prst="rect">
-            <a:avLst/>
-          </a:prstGeom>
-          <a:solidFill>
-            <a:schemeClr val="bg1"/>
-          </a:solidFill>
-          <a:ln>
-            <a:solidFill>
-              <a:schemeClr val="accent1">
-                <a:lumMod val="20000"/>
-                <a:lumOff val="80000"/>
-              </a:schemeClr>
-            </a:solidFill>
-          </a:ln>
-        </p:spPr>
-        <p:style>
-          <a:lnRef idx="2">
-            <a:schemeClr val="accent1">
-              <a:shade val="50000"/>
-            </a:schemeClr>
-          </a:lnRef>
-          <a:fillRef idx="1">
-            <a:schemeClr val="accent1"/>
-          </a:fillRef>
-          <a:effectRef idx="0">
-            <a:schemeClr val="accent1"/>
-          </a:effectRef>
-          <a:fontRef idx="minor">
-            <a:schemeClr val="lt1"/>
-          </a:fontRef>
-        </p:style>
-        <p:txBody>
-          <a:bodyPr rtlCol="0" anchor="ctr"/>
-          <a:lstStyle/>
-          <a:p>
-            <a:r>
-              <a:rPr lang="en-US" dirty="0" smtClean="0">
-                <a:solidFill>
-                  <a:schemeClr val="tx1"/>
-                </a:solidFill>
-              </a:rPr>
-              <a:t>Details page</a:t>
-            </a:r>
-            <a:endParaRPr lang="en-US" dirty="0">
-              <a:solidFill>
-                <a:schemeClr val="tx1"/>
-              </a:solidFill>
-            </a:endParaRPr>
-          </a:p>
-        </p:txBody>
-      </p:sp>
-      <p:sp>
-        <p:nvSpPr>
-          <p:cNvPr id="11" name="Rounded Rectangle 10"/>
-          <p:cNvSpPr/>
-          <p:nvPr/>
-        </p:nvSpPr>
-        <p:spPr>
-          <a:xfrm>
-            <a:off x="76200" y="914400"/>
-            <a:ext cx="6705600" cy="2286000"/>
-          </a:xfrm>
-          <a:prstGeom prst="roundRect">
-            <a:avLst/>
-          </a:prstGeom>
-          <a:solidFill>
-            <a:schemeClr val="bg1"/>
-          </a:solidFill>
-        </p:spPr>
-        <p:style>
-          <a:lnRef idx="2">
-            <a:schemeClr val="accent1">
-              <a:shade val="50000"/>
-            </a:schemeClr>
-          </a:lnRef>
-          <a:fillRef idx="1">
-            <a:schemeClr val="accent1"/>
-          </a:fillRef>
-          <a:effectRef idx="0">
-            <a:schemeClr val="accent1"/>
-          </a:effectRef>
-          <a:fontRef idx="minor">
-            <a:schemeClr val="lt1"/>
-          </a:fontRef>
-        </p:style>
-        <p:txBody>
-          <a:bodyPr rtlCol="0" anchor="ctr"/>
-          <a:lstStyle/>
-          <a:p>
-            <a:pPr algn="ctr"/>
-            <a:endParaRPr lang="en-US"/>
-          </a:p>
-        </p:txBody>
-      </p:sp>
-      <p:sp>
-        <p:nvSpPr>
-          <p:cNvPr id="5" name="TextBox 4"/>
-          <p:cNvSpPr txBox="1"/>
-          <p:nvPr/>
-        </p:nvSpPr>
-        <p:spPr>
-          <a:xfrm>
-            <a:off x="270164" y="990600"/>
-            <a:ext cx="1787236" cy="381000"/>
-          </a:xfrm>
-          <a:prstGeom prst="rect">
-            <a:avLst/>
-          </a:prstGeom>
-          <a:noFill/>
-        </p:spPr>
-        <p:txBody>
-          <a:bodyPr wrap="square" rtlCol="0">
-            <a:spAutoFit/>
-          </a:bodyPr>
-          <a:lstStyle/>
-          <a:p>
-            <a:r>
-              <a:rPr lang="en-US" dirty="0" smtClean="0"/>
-              <a:t>Customer Info</a:t>
-            </a:r>
-            <a:endParaRPr lang="en-US" dirty="0"/>
-          </a:p>
-        </p:txBody>
-      </p:sp>
-      <p:sp>
-        <p:nvSpPr>
-          <p:cNvPr id="6" name="TextBox 5"/>
-          <p:cNvSpPr txBox="1"/>
-          <p:nvPr/>
-        </p:nvSpPr>
-        <p:spPr>
-          <a:xfrm>
-            <a:off x="1676400" y="1447800"/>
-            <a:ext cx="4648200" cy="369332"/>
-          </a:xfrm>
-          <a:prstGeom prst="rect">
-            <a:avLst/>
-          </a:prstGeom>
-          <a:noFill/>
-        </p:spPr>
-        <p:txBody>
-          <a:bodyPr wrap="square" rtlCol="0">
-            <a:spAutoFit/>
-          </a:bodyPr>
-          <a:lstStyle/>
-          <a:p>
-            <a:r>
-              <a:rPr lang="en-US" dirty="0" smtClean="0"/>
-              <a:t>Customer name:       Sachin Kothavade</a:t>
-            </a:r>
-            <a:endParaRPr lang="en-US" dirty="0"/>
-          </a:p>
-        </p:txBody>
-      </p:sp>
-      <p:sp>
-        <p:nvSpPr>
-          <p:cNvPr id="7" name="TextBox 6"/>
-          <p:cNvSpPr txBox="1"/>
-          <p:nvPr/>
-        </p:nvSpPr>
-        <p:spPr>
-          <a:xfrm>
-            <a:off x="1676400" y="1752600"/>
-            <a:ext cx="4648200" cy="369332"/>
-          </a:xfrm>
-          <a:prstGeom prst="rect">
-            <a:avLst/>
-          </a:prstGeom>
-          <a:noFill/>
-        </p:spPr>
-        <p:txBody>
-          <a:bodyPr wrap="square" rtlCol="0">
-            <a:spAutoFit/>
-          </a:bodyPr>
-          <a:lstStyle/>
-          <a:p>
-            <a:r>
-              <a:rPr lang="en-US" dirty="0" smtClean="0"/>
-              <a:t>Account number:      07864569349</a:t>
-            </a:r>
-            <a:endParaRPr lang="en-US" dirty="0"/>
-          </a:p>
-        </p:txBody>
-      </p:sp>
-      <p:sp>
-        <p:nvSpPr>
-          <p:cNvPr id="8" name="TextBox 7"/>
-          <p:cNvSpPr txBox="1"/>
-          <p:nvPr/>
-        </p:nvSpPr>
-        <p:spPr>
-          <a:xfrm>
-            <a:off x="1676400" y="2057400"/>
-            <a:ext cx="4648200" cy="369332"/>
-          </a:xfrm>
-          <a:prstGeom prst="rect">
-            <a:avLst/>
-          </a:prstGeom>
-          <a:noFill/>
-        </p:spPr>
-        <p:txBody>
-          <a:bodyPr wrap="square" rtlCol="0">
-            <a:spAutoFit/>
-          </a:bodyPr>
-          <a:lstStyle/>
-          <a:p>
-            <a:r>
-              <a:rPr lang="en-US" dirty="0" smtClean="0"/>
-              <a:t>Account Type:            Saving</a:t>
-            </a:r>
-            <a:endParaRPr lang="en-US" dirty="0"/>
-          </a:p>
-        </p:txBody>
-      </p:sp>
-      <p:sp>
-        <p:nvSpPr>
-          <p:cNvPr id="10" name="TextBox 9"/>
-          <p:cNvSpPr txBox="1"/>
-          <p:nvPr/>
-        </p:nvSpPr>
-        <p:spPr>
-          <a:xfrm>
-            <a:off x="1676400" y="2667000"/>
-            <a:ext cx="6096000" cy="369332"/>
-          </a:xfrm>
-          <a:prstGeom prst="rect">
-            <a:avLst/>
-          </a:prstGeom>
-          <a:noFill/>
-        </p:spPr>
-        <p:txBody>
-          <a:bodyPr wrap="square" rtlCol="0">
-            <a:spAutoFit/>
-          </a:bodyPr>
-          <a:lstStyle/>
-          <a:p>
-            <a:r>
-              <a:rPr lang="en-US" dirty="0" smtClean="0"/>
-              <a:t>Email Id:                      sachin.kothavade @gmail.com</a:t>
-            </a:r>
-            <a:endParaRPr lang="en-US" dirty="0"/>
-          </a:p>
-        </p:txBody>
-      </p:sp>
-      <p:sp>
-        <p:nvSpPr>
-          <p:cNvPr id="9" name="TextBox 8"/>
-          <p:cNvSpPr txBox="1"/>
-          <p:nvPr/>
-        </p:nvSpPr>
-        <p:spPr>
-          <a:xfrm>
-            <a:off x="1676400" y="2362200"/>
-            <a:ext cx="4648200" cy="369332"/>
-          </a:xfrm>
-          <a:prstGeom prst="rect">
-            <a:avLst/>
-          </a:prstGeom>
-          <a:solidFill>
-            <a:schemeClr val="bg1"/>
-          </a:solidFill>
-        </p:spPr>
-        <p:txBody>
-          <a:bodyPr wrap="square" rtlCol="0">
-            <a:spAutoFit/>
-          </a:bodyPr>
-          <a:lstStyle/>
-          <a:p>
-            <a:r>
-              <a:rPr lang="en-US" dirty="0" smtClean="0"/>
-              <a:t>Contact number:       </a:t>
-            </a:r>
-            <a:r>
-              <a:rPr lang="en-US" b="1" dirty="0" smtClean="0"/>
-              <a:t>9923605568</a:t>
-            </a:r>
-            <a:endParaRPr lang="en-US" b="1" dirty="0"/>
-          </a:p>
-        </p:txBody>
-      </p:sp>
-      <p:sp>
-        <p:nvSpPr>
-          <p:cNvPr id="14" name="Rounded Rectangle 13"/>
-          <p:cNvSpPr/>
-          <p:nvPr/>
-        </p:nvSpPr>
-        <p:spPr>
-          <a:xfrm>
-            <a:off x="7225145" y="974375"/>
-            <a:ext cx="1524000" cy="4800600"/>
-          </a:xfrm>
-          <a:prstGeom prst="roundRect">
-            <a:avLst/>
-          </a:prstGeom>
-          <a:solidFill>
-            <a:schemeClr val="bg1"/>
-          </a:solidFill>
-        </p:spPr>
-        <p:style>
-          <a:lnRef idx="2">
-            <a:schemeClr val="accent1">
-              <a:shade val="50000"/>
-            </a:schemeClr>
-          </a:lnRef>
-          <a:fillRef idx="1">
-            <a:schemeClr val="accent1"/>
-          </a:fillRef>
-          <a:effectRef idx="0">
-            <a:schemeClr val="accent1"/>
-          </a:effectRef>
-          <a:fontRef idx="minor">
-            <a:schemeClr val="lt1"/>
-          </a:fontRef>
-        </p:style>
-        <p:txBody>
-          <a:bodyPr rtlCol="0" anchor="ctr"/>
-          <a:lstStyle/>
-          <a:p>
-            <a:pPr marL="285750" indent="-285750" algn="ctr">
-              <a:buFont typeface="Arial" panose="020B0604020202020204" pitchFamily="34" charset="0"/>
-              <a:buChar char="•"/>
-            </a:pPr>
-            <a:endParaRPr lang="en-US" dirty="0"/>
-          </a:p>
-        </p:txBody>
-      </p:sp>
-      <p:sp>
-        <p:nvSpPr>
-          <p:cNvPr id="23" name="Rounded Rectangle 22"/>
-          <p:cNvSpPr/>
-          <p:nvPr/>
-        </p:nvSpPr>
-        <p:spPr>
-          <a:xfrm>
-            <a:off x="76200" y="3733800"/>
-            <a:ext cx="6705600" cy="2819400"/>
-          </a:xfrm>
-          <a:prstGeom prst="roundRect">
-            <a:avLst/>
-          </a:prstGeom>
-          <a:solidFill>
-            <a:schemeClr val="bg1"/>
-          </a:solidFill>
-        </p:spPr>
-        <p:style>
-          <a:lnRef idx="2">
-            <a:schemeClr val="accent1">
-              <a:shade val="50000"/>
-            </a:schemeClr>
-          </a:lnRef>
-          <a:fillRef idx="1">
-            <a:schemeClr val="accent1"/>
-          </a:fillRef>
-          <a:effectRef idx="0">
-            <a:schemeClr val="accent1"/>
-          </a:effectRef>
-          <a:fontRef idx="minor">
-            <a:schemeClr val="lt1"/>
-          </a:fontRef>
-        </p:style>
-        <p:txBody>
-          <a:bodyPr rtlCol="0" anchor="ctr"/>
-          <a:lstStyle/>
-          <a:p>
-            <a:pPr algn="ctr"/>
-            <a:endParaRPr lang="en-US"/>
-          </a:p>
-        </p:txBody>
-      </p:sp>
-      <p:cxnSp>
-        <p:nvCxnSpPr>
-          <p:cNvPr id="13" name="Straight Connector 12"/>
-          <p:cNvCxnSpPr/>
-          <p:nvPr/>
-        </p:nvCxnSpPr>
-        <p:spPr>
-          <a:xfrm>
-            <a:off x="7606145" y="1844841"/>
-            <a:ext cx="0" cy="3625334"/>
-          </a:xfrm>
-          <a:prstGeom prst="line">
-            <a:avLst/>
-          </a:prstGeom>
-        </p:spPr>
-        <p:style>
-          <a:lnRef idx="1">
-            <a:schemeClr val="accent1"/>
-          </a:lnRef>
-          <a:fillRef idx="0">
-            <a:schemeClr val="accent1"/>
-          </a:fillRef>
-          <a:effectRef idx="0">
-            <a:schemeClr val="accent1"/>
-          </a:effectRef>
-          <a:fontRef idx="minor">
-            <a:schemeClr val="tx1"/>
-          </a:fontRef>
-        </p:style>
-      </p:cxnSp>
-      <p:sp>
-        <p:nvSpPr>
-          <p:cNvPr id="16" name="TextBox 15"/>
-          <p:cNvSpPr txBox="1"/>
-          <p:nvPr/>
-        </p:nvSpPr>
-        <p:spPr>
-          <a:xfrm>
-            <a:off x="7377544" y="1202975"/>
-            <a:ext cx="1283277" cy="292388"/>
-          </a:xfrm>
-          <a:prstGeom prst="rect">
-            <a:avLst/>
-          </a:prstGeom>
-          <a:noFill/>
-        </p:spPr>
-        <p:txBody>
-          <a:bodyPr wrap="square" rtlCol="0">
-            <a:spAutoFit/>
-          </a:bodyPr>
-          <a:lstStyle/>
-          <a:p>
-            <a:r>
-              <a:rPr lang="en-US" sz="1200" u="sng" dirty="0" smtClean="0">
-                <a:solidFill>
-                  <a:schemeClr val="tx2">
-                    <a:lumMod val="60000"/>
-                    <a:lumOff val="40000"/>
-                  </a:schemeClr>
-                </a:solidFill>
-              </a:rPr>
-              <a:t>Activity </a:t>
-            </a:r>
-            <a:r>
-              <a:rPr lang="en-US" sz="1300" u="sng" dirty="0" smtClean="0">
-                <a:solidFill>
-                  <a:schemeClr val="tx2">
-                    <a:lumMod val="60000"/>
-                    <a:lumOff val="40000"/>
-                  </a:schemeClr>
-                </a:solidFill>
-              </a:rPr>
-              <a:t>history</a:t>
-            </a:r>
-            <a:endParaRPr lang="en-US" sz="1300" u="sng" dirty="0">
-              <a:solidFill>
-                <a:schemeClr val="tx2">
-                  <a:lumMod val="60000"/>
-                  <a:lumOff val="40000"/>
-                </a:schemeClr>
-              </a:solidFill>
-            </a:endParaRPr>
-          </a:p>
-        </p:txBody>
-      </p:sp>
-      <p:sp>
-        <p:nvSpPr>
-          <p:cNvPr id="17" name="Oval Callout 16"/>
-          <p:cNvSpPr/>
-          <p:nvPr/>
-        </p:nvSpPr>
-        <p:spPr>
-          <a:xfrm>
-            <a:off x="7891895" y="1526186"/>
-            <a:ext cx="723900" cy="609600"/>
-          </a:xfrm>
-          <a:prstGeom prst="wedgeEllipseCallout">
-            <a:avLst>
-              <a:gd name="adj1" fmla="val -87819"/>
-              <a:gd name="adj2" fmla="val 7955"/>
-            </a:avLst>
-          </a:prstGeom>
-          <a:solidFill>
-            <a:schemeClr val="bg1"/>
-          </a:solidFill>
-        </p:spPr>
-        <p:style>
-          <a:lnRef idx="2">
-            <a:schemeClr val="accent1">
-              <a:shade val="50000"/>
-            </a:schemeClr>
-          </a:lnRef>
-          <a:fillRef idx="1">
-            <a:schemeClr val="accent1"/>
-          </a:fillRef>
-          <a:effectRef idx="0">
-            <a:schemeClr val="accent1"/>
-          </a:effectRef>
-          <a:fontRef idx="minor">
-            <a:schemeClr val="lt1"/>
-          </a:fontRef>
-        </p:style>
-        <p:txBody>
-          <a:bodyPr rtlCol="0" anchor="ctr"/>
-          <a:lstStyle/>
-          <a:p>
-            <a:pPr algn="ctr"/>
-            <a:r>
-              <a:rPr lang="en-US" sz="900" dirty="0" smtClean="0">
-                <a:solidFill>
-                  <a:schemeClr val="tx1"/>
-                </a:solidFill>
-              </a:rPr>
-              <a:t>Action Taken</a:t>
-            </a:r>
-            <a:endParaRPr lang="en-US" sz="900" dirty="0">
-              <a:solidFill>
-                <a:schemeClr val="tx1"/>
-              </a:solidFill>
-            </a:endParaRPr>
-          </a:p>
-        </p:txBody>
-      </p:sp>
-      <p:sp>
-        <p:nvSpPr>
-          <p:cNvPr id="19" name="Oval Callout 18"/>
-          <p:cNvSpPr/>
-          <p:nvPr/>
-        </p:nvSpPr>
-        <p:spPr>
-          <a:xfrm>
-            <a:off x="7891895" y="2422175"/>
-            <a:ext cx="723900" cy="609600"/>
-          </a:xfrm>
-          <a:prstGeom prst="wedgeEllipseCallout">
-            <a:avLst>
-              <a:gd name="adj1" fmla="val -87819"/>
-              <a:gd name="adj2" fmla="val 7955"/>
-            </a:avLst>
-          </a:prstGeom>
-          <a:solidFill>
-            <a:schemeClr val="bg1"/>
-          </a:solidFill>
-        </p:spPr>
-        <p:style>
-          <a:lnRef idx="2">
-            <a:schemeClr val="accent1">
-              <a:shade val="50000"/>
-            </a:schemeClr>
-          </a:lnRef>
-          <a:fillRef idx="1">
-            <a:schemeClr val="accent1"/>
-          </a:fillRef>
-          <a:effectRef idx="0">
-            <a:schemeClr val="accent1"/>
-          </a:effectRef>
-          <a:fontRef idx="minor">
-            <a:schemeClr val="lt1"/>
-          </a:fontRef>
-        </p:style>
-        <p:txBody>
-          <a:bodyPr rtlCol="0" anchor="ctr"/>
-          <a:lstStyle/>
-          <a:p>
-            <a:pPr algn="ctr"/>
-            <a:r>
-              <a:rPr lang="en-US" sz="900" dirty="0" smtClean="0">
-                <a:solidFill>
-                  <a:schemeClr val="tx1"/>
-                </a:solidFill>
-              </a:rPr>
-              <a:t>Action Taken</a:t>
-            </a:r>
-            <a:endParaRPr lang="en-US" sz="900" dirty="0">
-              <a:solidFill>
-                <a:schemeClr val="tx1"/>
-              </a:solidFill>
-            </a:endParaRPr>
-          </a:p>
-        </p:txBody>
-      </p:sp>
-      <p:sp>
-        <p:nvSpPr>
-          <p:cNvPr id="20" name="Oval Callout 19"/>
-          <p:cNvSpPr/>
-          <p:nvPr/>
-        </p:nvSpPr>
-        <p:spPr>
-          <a:xfrm>
-            <a:off x="7936922" y="3336575"/>
-            <a:ext cx="723900" cy="609600"/>
-          </a:xfrm>
-          <a:prstGeom prst="wedgeEllipseCallout">
-            <a:avLst>
-              <a:gd name="adj1" fmla="val -87819"/>
-              <a:gd name="adj2" fmla="val 7955"/>
-            </a:avLst>
-          </a:prstGeom>
-          <a:solidFill>
-            <a:schemeClr val="bg1"/>
-          </a:solidFill>
-        </p:spPr>
-        <p:style>
-          <a:lnRef idx="2">
-            <a:schemeClr val="accent1">
-              <a:shade val="50000"/>
-            </a:schemeClr>
-          </a:lnRef>
-          <a:fillRef idx="1">
-            <a:schemeClr val="accent1"/>
-          </a:fillRef>
-          <a:effectRef idx="0">
-            <a:schemeClr val="accent1"/>
-          </a:effectRef>
-          <a:fontRef idx="minor">
-            <a:schemeClr val="lt1"/>
-          </a:fontRef>
-        </p:style>
-        <p:txBody>
-          <a:bodyPr rtlCol="0" anchor="ctr"/>
-          <a:lstStyle/>
-          <a:p>
-            <a:pPr algn="ctr"/>
-            <a:r>
-              <a:rPr lang="en-US" sz="900" dirty="0" smtClean="0">
-                <a:solidFill>
-                  <a:schemeClr val="tx1"/>
-                </a:solidFill>
-              </a:rPr>
-              <a:t>Action Taken</a:t>
-            </a:r>
-            <a:endParaRPr lang="en-US" sz="900" dirty="0">
-              <a:solidFill>
-                <a:schemeClr val="tx1"/>
-              </a:solidFill>
-            </a:endParaRPr>
-          </a:p>
-        </p:txBody>
-      </p:sp>
-      <p:sp>
-        <p:nvSpPr>
-          <p:cNvPr id="21" name="Oval Callout 20"/>
-          <p:cNvSpPr/>
-          <p:nvPr/>
-        </p:nvSpPr>
-        <p:spPr>
-          <a:xfrm>
-            <a:off x="7910945" y="4174775"/>
-            <a:ext cx="723900" cy="609600"/>
-          </a:xfrm>
-          <a:prstGeom prst="wedgeEllipseCallout">
-            <a:avLst>
-              <a:gd name="adj1" fmla="val -87819"/>
-              <a:gd name="adj2" fmla="val 7955"/>
-            </a:avLst>
-          </a:prstGeom>
-          <a:solidFill>
-            <a:schemeClr val="bg1"/>
-          </a:solidFill>
-        </p:spPr>
-        <p:style>
-          <a:lnRef idx="2">
-            <a:schemeClr val="accent1">
-              <a:shade val="50000"/>
-            </a:schemeClr>
-          </a:lnRef>
-          <a:fillRef idx="1">
-            <a:schemeClr val="accent1"/>
-          </a:fillRef>
-          <a:effectRef idx="0">
-            <a:schemeClr val="accent1"/>
-          </a:effectRef>
-          <a:fontRef idx="minor">
-            <a:schemeClr val="lt1"/>
-          </a:fontRef>
-        </p:style>
-        <p:txBody>
-          <a:bodyPr rtlCol="0" anchor="ctr"/>
-          <a:lstStyle/>
-          <a:p>
-            <a:pPr algn="ctr"/>
-            <a:r>
-              <a:rPr lang="en-US" sz="900" dirty="0" smtClean="0">
-                <a:solidFill>
-                  <a:schemeClr val="tx1"/>
-                </a:solidFill>
-              </a:rPr>
-              <a:t>Action Taken</a:t>
-            </a:r>
-            <a:endParaRPr lang="en-US" sz="900" dirty="0">
-              <a:solidFill>
-                <a:schemeClr val="tx1"/>
-              </a:solidFill>
-            </a:endParaRPr>
-          </a:p>
-        </p:txBody>
-      </p:sp>
-      <p:sp>
-        <p:nvSpPr>
-          <p:cNvPr id="22" name="Oval Callout 21"/>
-          <p:cNvSpPr/>
-          <p:nvPr/>
-        </p:nvSpPr>
-        <p:spPr>
-          <a:xfrm>
-            <a:off x="7910945" y="4860575"/>
-            <a:ext cx="723900" cy="609600"/>
-          </a:xfrm>
-          <a:prstGeom prst="wedgeEllipseCallout">
-            <a:avLst>
-              <a:gd name="adj1" fmla="val -89733"/>
-              <a:gd name="adj2" fmla="val 51136"/>
-            </a:avLst>
-          </a:prstGeom>
-          <a:solidFill>
-            <a:schemeClr val="bg1"/>
-          </a:solidFill>
-        </p:spPr>
-        <p:style>
-          <a:lnRef idx="2">
-            <a:schemeClr val="accent1">
-              <a:shade val="50000"/>
-            </a:schemeClr>
-          </a:lnRef>
-          <a:fillRef idx="1">
-            <a:schemeClr val="accent1"/>
-          </a:fillRef>
-          <a:effectRef idx="0">
-            <a:schemeClr val="accent1"/>
-          </a:effectRef>
-          <a:fontRef idx="minor">
-            <a:schemeClr val="lt1"/>
-          </a:fontRef>
-        </p:style>
-        <p:txBody>
-          <a:bodyPr rtlCol="0" anchor="ctr"/>
-          <a:lstStyle/>
-          <a:p>
-            <a:pPr algn="ctr"/>
-            <a:r>
-              <a:rPr lang="en-US" sz="900" dirty="0" smtClean="0">
-                <a:solidFill>
-                  <a:schemeClr val="tx1"/>
-                </a:solidFill>
-              </a:rPr>
-              <a:t>Action Taken</a:t>
-            </a:r>
-            <a:endParaRPr lang="en-US" sz="900" dirty="0">
-              <a:solidFill>
-                <a:schemeClr val="tx1"/>
-              </a:solidFill>
-            </a:endParaRPr>
-          </a:p>
-        </p:txBody>
-      </p:sp>
-      <p:sp>
-        <p:nvSpPr>
-          <p:cNvPr id="24" name="TextBox 23"/>
-          <p:cNvSpPr txBox="1"/>
-          <p:nvPr/>
-        </p:nvSpPr>
-        <p:spPr>
-          <a:xfrm>
-            <a:off x="166254" y="3291244"/>
-            <a:ext cx="1814945" cy="307777"/>
-          </a:xfrm>
-          <a:prstGeom prst="rect">
-            <a:avLst/>
-          </a:prstGeom>
-          <a:noFill/>
-        </p:spPr>
-        <p:txBody>
-          <a:bodyPr wrap="square" rtlCol="0">
-            <a:spAutoFit/>
-          </a:bodyPr>
-          <a:lstStyle/>
-          <a:p>
-            <a:r>
-              <a:rPr lang="en-US" sz="1400" u="sng" dirty="0" smtClean="0">
-                <a:solidFill>
-                  <a:schemeClr val="tx2">
-                    <a:lumMod val="60000"/>
-                    <a:lumOff val="40000"/>
-                  </a:schemeClr>
-                </a:solidFill>
-              </a:rPr>
-              <a:t>Customer Feedback</a:t>
-            </a:r>
-            <a:endParaRPr lang="en-US" sz="1400" u="sng" dirty="0">
-              <a:solidFill>
-                <a:schemeClr val="tx2">
-                  <a:lumMod val="60000"/>
-                  <a:lumOff val="40000"/>
-                </a:schemeClr>
-              </a:solidFill>
-            </a:endParaRPr>
-          </a:p>
-        </p:txBody>
-      </p:sp>
-      <p:sp>
-        <p:nvSpPr>
-          <p:cNvPr id="26" name="TextBox 25"/>
-          <p:cNvSpPr txBox="1"/>
-          <p:nvPr/>
-        </p:nvSpPr>
-        <p:spPr>
-          <a:xfrm>
-            <a:off x="533400" y="3886200"/>
-            <a:ext cx="1766455" cy="369332"/>
-          </a:xfrm>
-          <a:prstGeom prst="rect">
-            <a:avLst/>
-          </a:prstGeom>
-          <a:noFill/>
-        </p:spPr>
-        <p:txBody>
-          <a:bodyPr wrap="square" rtlCol="0">
-            <a:spAutoFit/>
-          </a:bodyPr>
-          <a:lstStyle/>
-          <a:p>
-            <a:r>
-              <a:rPr lang="en-US" dirty="0" smtClean="0"/>
-              <a:t>Feedback</a:t>
-            </a:r>
-            <a:endParaRPr lang="en-US" dirty="0"/>
-          </a:p>
-        </p:txBody>
-      </p:sp>
-      <p:sp>
-        <p:nvSpPr>
-          <p:cNvPr id="27" name="TextBox 26"/>
-          <p:cNvSpPr txBox="1"/>
-          <p:nvPr/>
-        </p:nvSpPr>
-        <p:spPr>
-          <a:xfrm>
-            <a:off x="533400" y="4355068"/>
-            <a:ext cx="1794164" cy="369332"/>
-          </a:xfrm>
-          <a:prstGeom prst="rect">
-            <a:avLst/>
-          </a:prstGeom>
-          <a:noFill/>
-        </p:spPr>
-        <p:txBody>
-          <a:bodyPr wrap="square" rtlCol="0">
-            <a:spAutoFit/>
-          </a:bodyPr>
-          <a:lstStyle/>
-          <a:p>
-            <a:r>
-              <a:rPr lang="en-US" dirty="0" smtClean="0"/>
-              <a:t>Next Reminder</a:t>
-            </a:r>
-            <a:endParaRPr lang="en-US" dirty="0"/>
-          </a:p>
-        </p:txBody>
-      </p:sp>
-      <p:sp>
-        <p:nvSpPr>
-          <p:cNvPr id="28" name="TextBox 27"/>
-          <p:cNvSpPr txBox="1"/>
-          <p:nvPr/>
-        </p:nvSpPr>
-        <p:spPr>
-          <a:xfrm>
-            <a:off x="533400" y="4812268"/>
-            <a:ext cx="1794164" cy="369332"/>
-          </a:xfrm>
-          <a:prstGeom prst="rect">
-            <a:avLst/>
-          </a:prstGeom>
-          <a:noFill/>
-        </p:spPr>
-        <p:txBody>
-          <a:bodyPr wrap="square" rtlCol="0">
-            <a:spAutoFit/>
-          </a:bodyPr>
-          <a:lstStyle/>
-          <a:p>
-            <a:r>
-              <a:rPr lang="en-US" dirty="0" smtClean="0"/>
-              <a:t>Action</a:t>
-            </a:r>
-            <a:endParaRPr lang="en-US" dirty="0"/>
-          </a:p>
-        </p:txBody>
-      </p:sp>
-      <p:sp>
-        <p:nvSpPr>
-          <p:cNvPr id="32" name="Rectangle 31"/>
-          <p:cNvSpPr/>
-          <p:nvPr/>
-        </p:nvSpPr>
-        <p:spPr>
-          <a:xfrm>
-            <a:off x="2667000" y="3886200"/>
-            <a:ext cx="2362200" cy="369332"/>
-          </a:xfrm>
-          <a:prstGeom prst="rect">
-            <a:avLst/>
-          </a:prstGeom>
-          <a:solidFill>
-            <a:schemeClr val="bg1"/>
-          </a:solidFill>
-        </p:spPr>
-        <p:style>
-          <a:lnRef idx="2">
-            <a:schemeClr val="accent1">
-              <a:shade val="50000"/>
-            </a:schemeClr>
-          </a:lnRef>
-          <a:fillRef idx="1">
-            <a:schemeClr val="accent1"/>
-          </a:fillRef>
-          <a:effectRef idx="0">
-            <a:schemeClr val="accent1"/>
-          </a:effectRef>
-          <a:fontRef idx="minor">
-            <a:schemeClr val="lt1"/>
-          </a:fontRef>
-        </p:style>
-        <p:txBody>
-          <a:bodyPr rtlCol="0" anchor="ctr"/>
-          <a:lstStyle/>
-          <a:p>
-            <a:pPr algn="ctr"/>
-            <a:endParaRPr lang="en-US"/>
-          </a:p>
-        </p:txBody>
-      </p:sp>
-      <p:sp>
-        <p:nvSpPr>
-          <p:cNvPr id="33" name="Rectangle 32"/>
-          <p:cNvSpPr/>
-          <p:nvPr/>
-        </p:nvSpPr>
-        <p:spPr>
-          <a:xfrm>
-            <a:off x="2667000" y="4381500"/>
-            <a:ext cx="2362200" cy="342900"/>
-          </a:xfrm>
-          <a:prstGeom prst="rect">
-            <a:avLst/>
-          </a:prstGeom>
-          <a:solidFill>
-            <a:schemeClr val="bg1"/>
-          </a:solidFill>
-        </p:spPr>
-        <p:style>
-          <a:lnRef idx="2">
-            <a:schemeClr val="accent1">
-              <a:shade val="50000"/>
-            </a:schemeClr>
-          </a:lnRef>
-          <a:fillRef idx="1">
-            <a:schemeClr val="accent1"/>
-          </a:fillRef>
-          <a:effectRef idx="0">
-            <a:schemeClr val="accent1"/>
-          </a:effectRef>
-          <a:fontRef idx="minor">
-            <a:schemeClr val="lt1"/>
-          </a:fontRef>
-        </p:style>
-        <p:txBody>
-          <a:bodyPr rtlCol="0" anchor="ctr"/>
-          <a:lstStyle/>
-          <a:p>
-            <a:pPr algn="ctr"/>
-            <a:endParaRPr lang="en-US" dirty="0">
-              <a:solidFill>
-                <a:schemeClr val="tx1"/>
-              </a:solidFill>
-            </a:endParaRPr>
-          </a:p>
-        </p:txBody>
-      </p:sp>
-      <p:sp>
-        <p:nvSpPr>
-          <p:cNvPr id="35" name="Rectangle 34"/>
-          <p:cNvSpPr/>
-          <p:nvPr/>
-        </p:nvSpPr>
-        <p:spPr>
-          <a:xfrm>
-            <a:off x="2667000" y="4845628"/>
-            <a:ext cx="2362200" cy="342900"/>
-          </a:xfrm>
-          <a:prstGeom prst="rect">
-            <a:avLst/>
-          </a:prstGeom>
-          <a:solidFill>
-            <a:schemeClr val="bg1"/>
-          </a:solidFill>
-        </p:spPr>
-        <p:style>
-          <a:lnRef idx="2">
-            <a:schemeClr val="accent1">
-              <a:shade val="50000"/>
-            </a:schemeClr>
-          </a:lnRef>
-          <a:fillRef idx="1">
-            <a:schemeClr val="accent1"/>
-          </a:fillRef>
-          <a:effectRef idx="0">
-            <a:schemeClr val="accent1"/>
-          </a:effectRef>
-          <a:fontRef idx="minor">
-            <a:schemeClr val="lt1"/>
-          </a:fontRef>
-        </p:style>
-        <p:txBody>
-          <a:bodyPr rtlCol="0" anchor="ctr"/>
-          <a:lstStyle/>
-          <a:p>
-            <a:pPr algn="ctr"/>
-            <a:endParaRPr lang="en-US"/>
-          </a:p>
-        </p:txBody>
-      </p:sp>
-      <p:sp>
-        <p:nvSpPr>
-          <p:cNvPr id="36" name="Action Button: Forward or Next 35">
-            <a:hlinkClick r:id="" action="ppaction://hlinkshowjump?jump=nextslide" highlightClick="1"/>
-          </p:cNvPr>
-          <p:cNvSpPr/>
-          <p:nvPr/>
-        </p:nvSpPr>
-        <p:spPr>
-          <a:xfrm rot="5400000">
-            <a:off x="4705346" y="4864679"/>
-            <a:ext cx="342901" cy="304799"/>
-          </a:xfrm>
-          <a:prstGeom prst="actionButtonForwardNext">
-            <a:avLst/>
-          </a:prstGeom>
-        </p:spPr>
-        <p:style>
-          <a:lnRef idx="2">
-            <a:schemeClr val="accent1">
-              <a:shade val="50000"/>
-            </a:schemeClr>
-          </a:lnRef>
-          <a:fillRef idx="1">
-            <a:schemeClr val="accent1"/>
-          </a:fillRef>
-          <a:effectRef idx="0">
-            <a:schemeClr val="accent1"/>
-          </a:effectRef>
-          <a:fontRef idx="minor">
-            <a:schemeClr val="lt1"/>
-          </a:fontRef>
-        </p:style>
-        <p:txBody>
-          <a:bodyPr rtlCol="0" anchor="ctr"/>
-          <a:lstStyle/>
-          <a:p>
-            <a:pPr algn="ctr"/>
-            <a:endParaRPr lang="en-US"/>
-          </a:p>
-        </p:txBody>
-      </p:sp>
-      <p:sp>
-        <p:nvSpPr>
-          <p:cNvPr id="37" name="TextBox 36"/>
-          <p:cNvSpPr txBox="1"/>
-          <p:nvPr/>
-        </p:nvSpPr>
-        <p:spPr>
-          <a:xfrm>
-            <a:off x="533400" y="5334000"/>
-            <a:ext cx="1794164" cy="369332"/>
-          </a:xfrm>
-          <a:prstGeom prst="rect">
-            <a:avLst/>
-          </a:prstGeom>
-          <a:noFill/>
-        </p:spPr>
-        <p:txBody>
-          <a:bodyPr wrap="square" rtlCol="0">
-            <a:spAutoFit/>
-          </a:bodyPr>
-          <a:lstStyle/>
-          <a:p>
-            <a:r>
-              <a:rPr lang="en-US" dirty="0" smtClean="0"/>
-              <a:t>Reason</a:t>
-            </a:r>
-            <a:endParaRPr lang="en-US" dirty="0"/>
-          </a:p>
-        </p:txBody>
-      </p:sp>
-      <p:sp>
-        <p:nvSpPr>
-          <p:cNvPr id="38" name="Rectangle 37"/>
-          <p:cNvSpPr/>
-          <p:nvPr/>
-        </p:nvSpPr>
-        <p:spPr>
-          <a:xfrm>
-            <a:off x="2667000" y="5347215"/>
-            <a:ext cx="2362200" cy="362869"/>
-          </a:xfrm>
-          <a:prstGeom prst="rect">
-            <a:avLst/>
-          </a:prstGeom>
-          <a:solidFill>
-            <a:schemeClr val="bg1"/>
-          </a:solidFill>
-        </p:spPr>
-        <p:style>
-          <a:lnRef idx="2">
-            <a:schemeClr val="accent1">
-              <a:shade val="50000"/>
-            </a:schemeClr>
-          </a:lnRef>
-          <a:fillRef idx="1">
-            <a:schemeClr val="accent1"/>
-          </a:fillRef>
-          <a:effectRef idx="0">
-            <a:schemeClr val="accent1"/>
-          </a:effectRef>
-          <a:fontRef idx="minor">
-            <a:schemeClr val="lt1"/>
-          </a:fontRef>
-        </p:style>
-        <p:txBody>
-          <a:bodyPr rtlCol="0" anchor="ctr"/>
-          <a:lstStyle/>
-          <a:p>
-            <a:pPr algn="ctr"/>
-            <a:endParaRPr lang="en-US"/>
-          </a:p>
-        </p:txBody>
-      </p:sp>
-      <p:sp>
-        <p:nvSpPr>
-          <p:cNvPr id="42" name="Oval Callout 41"/>
-          <p:cNvSpPr/>
-          <p:nvPr/>
-        </p:nvSpPr>
-        <p:spPr>
-          <a:xfrm>
-            <a:off x="5369813" y="4165342"/>
-            <a:ext cx="1324634" cy="965716"/>
-          </a:xfrm>
-          <a:prstGeom prst="wedgeEllipseCallout">
-            <a:avLst>
-              <a:gd name="adj1" fmla="val -75221"/>
-              <a:gd name="adj2" fmla="val 96931"/>
-            </a:avLst>
-          </a:prstGeom>
-          <a:solidFill>
-            <a:schemeClr val="bg1"/>
-          </a:solidFill>
-        </p:spPr>
-        <p:style>
-          <a:lnRef idx="2">
-            <a:schemeClr val="accent1">
-              <a:shade val="50000"/>
-            </a:schemeClr>
-          </a:lnRef>
-          <a:fillRef idx="1">
-            <a:schemeClr val="accent1"/>
-          </a:fillRef>
-          <a:effectRef idx="0">
-            <a:schemeClr val="accent1"/>
-          </a:effectRef>
-          <a:fontRef idx="minor">
-            <a:schemeClr val="lt1"/>
-          </a:fontRef>
-        </p:style>
-        <p:txBody>
-          <a:bodyPr rtlCol="0" anchor="ctr"/>
-          <a:lstStyle/>
-          <a:p>
-            <a:pPr algn="ctr"/>
-            <a:r>
-              <a:rPr lang="en-US" sz="1200" dirty="0" smtClean="0">
-                <a:solidFill>
-                  <a:schemeClr val="tx1"/>
-                </a:solidFill>
-              </a:rPr>
-              <a:t>Based on action reason populate</a:t>
-            </a:r>
-            <a:endParaRPr lang="en-US" sz="1200" dirty="0">
-              <a:solidFill>
-                <a:schemeClr val="tx1"/>
-              </a:solidFill>
-            </a:endParaRPr>
-          </a:p>
-        </p:txBody>
-      </p:sp>
-      <p:sp>
-        <p:nvSpPr>
-          <p:cNvPr id="34" name="Action Button: Forward or Next 33">
-            <a:hlinkClick r:id="" action="ppaction://hlinkshowjump?jump=nextslide" highlightClick="1"/>
-          </p:cNvPr>
-          <p:cNvSpPr/>
-          <p:nvPr/>
-        </p:nvSpPr>
-        <p:spPr>
-          <a:xfrm rot="5400000">
-            <a:off x="4719201" y="5366266"/>
-            <a:ext cx="342901" cy="304799"/>
-          </a:xfrm>
-          <a:prstGeom prst="actionButtonForwardNext">
-            <a:avLst/>
-          </a:prstGeom>
-        </p:spPr>
-        <p:style>
-          <a:lnRef idx="2">
-            <a:schemeClr val="accent1">
-              <a:shade val="50000"/>
-            </a:schemeClr>
-          </a:lnRef>
-          <a:fillRef idx="1">
-            <a:schemeClr val="accent1"/>
-          </a:fillRef>
-          <a:effectRef idx="0">
-            <a:schemeClr val="accent1"/>
-          </a:effectRef>
-          <a:fontRef idx="minor">
-            <a:schemeClr val="lt1"/>
-          </a:fontRef>
-        </p:style>
-        <p:txBody>
-          <a:bodyPr rtlCol="0" anchor="ctr"/>
-          <a:lstStyle/>
-          <a:p>
-            <a:pPr algn="ctr"/>
-            <a:endParaRPr lang="en-US"/>
-          </a:p>
-        </p:txBody>
-      </p:sp>
-      <p:sp>
-        <p:nvSpPr>
-          <p:cNvPr id="2" name="TextBox 1"/>
-          <p:cNvSpPr txBox="1"/>
-          <p:nvPr/>
-        </p:nvSpPr>
-        <p:spPr>
-          <a:xfrm>
-            <a:off x="5181600" y="6248400"/>
-            <a:ext cx="1371600" cy="369332"/>
-          </a:xfrm>
-          <a:prstGeom prst="rect">
-            <a:avLst/>
-          </a:prstGeom>
-          <a:noFill/>
-        </p:spPr>
-        <p:txBody>
-          <a:bodyPr wrap="square" rtlCol="0">
-            <a:spAutoFit/>
-          </a:bodyPr>
-          <a:lstStyle/>
-          <a:p>
-            <a:r>
-              <a:rPr lang="en-US" dirty="0" smtClean="0"/>
-              <a:t>Continue …</a:t>
-            </a:r>
-            <a:endParaRPr lang="en-US" dirty="0"/>
-          </a:p>
-        </p:txBody>
-      </p:sp>
-    </p:spTree>
-    <p:extLst>
-      <p:ext uri="{BB962C8B-B14F-4D97-AF65-F5344CB8AC3E}">
-        <p14:creationId xmlns:p14="http://schemas.microsoft.com/office/powerpoint/2010/main" val="94182129"/>
-      </p:ext>
-    </p:extLst>
-  </p:cSld>
-  <p:clrMapOvr>
-    <a:masterClrMapping/>
-  </p:clrMapOvr>
-  <p:timing>
-    <p:tnLst>
-      <p:par>
-        <p:cTn id="1" dur="indefinite" restart="never" nodeType="tmRoot"/>
-      </p:par>
-    </p:tnLst>
-  </p:timing>
-</p:sld>
-</file>
-
 <file path=ppt/slides/slide5.xml><?xml version="1.0" encoding="utf-8"?>
 <p:sld xmlns:a="http://schemas.openxmlformats.org/drawingml/2006/main" xmlns:r="http://schemas.openxmlformats.org/officeDocument/2006/relationships" xmlns:p="http://schemas.openxmlformats.org/presentationml/2006/main">
   <p:cSld>
@@ -5978,21 +4736,29 @@
       </p:grpSpPr>
       <p:sp>
         <p:nvSpPr>
-          <p:cNvPr id="4" name="Rounded Rectangle 3"/>
+          <p:cNvPr id="4" name="Rectangle 3"/>
           <p:cNvSpPr/>
           <p:nvPr/>
         </p:nvSpPr>
         <p:spPr>
           <a:xfrm>
-            <a:off x="533400" y="609600"/>
-            <a:ext cx="2895600" cy="1828800"/>
-          </a:xfrm>
-          <a:prstGeom prst="roundRect">
+            <a:off x="193964" y="176645"/>
+            <a:ext cx="8610600" cy="381000"/>
+          </a:xfrm>
+          <a:prstGeom prst="rect">
             <a:avLst/>
           </a:prstGeom>
           <a:solidFill>
             <a:schemeClr val="bg1"/>
           </a:solidFill>
+          <a:ln>
+            <a:solidFill>
+              <a:schemeClr val="accent1">
+                <a:lumMod val="20000"/>
+                <a:lumOff val="80000"/>
+              </a:schemeClr>
+            </a:solidFill>
+          </a:ln>
         </p:spPr>
         <p:style>
           <a:lnRef idx="2">
@@ -6014,8 +4780,15 @@
           <a:bodyPr rtlCol="0" anchor="ctr"/>
           <a:lstStyle/>
           <a:p>
-            <a:pPr algn="ctr"/>
-            <a:endParaRPr lang="en-US">
+            <a:r>
+              <a:rPr lang="en-US" dirty="0" smtClean="0">
+                <a:solidFill>
+                  <a:schemeClr val="tx1"/>
+                </a:solidFill>
+              </a:rPr>
+              <a:t>Details page</a:t>
+            </a:r>
+            <a:endParaRPr lang="en-US" dirty="0">
               <a:solidFill>
                 <a:schemeClr val="tx1"/>
               </a:solidFill>
@@ -6025,48 +4798,21 @@
       </p:sp>
       <p:sp>
         <p:nvSpPr>
-          <p:cNvPr id="5" name="TextBox 4"/>
-          <p:cNvSpPr txBox="1"/>
-          <p:nvPr/>
-        </p:nvSpPr>
-        <p:spPr>
-          <a:xfrm>
-            <a:off x="838200" y="838200"/>
-            <a:ext cx="1066800" cy="381000"/>
-          </a:xfrm>
-          <a:prstGeom prst="rect">
-            <a:avLst/>
-          </a:prstGeom>
-          <a:noFill/>
-        </p:spPr>
-        <p:txBody>
-          <a:bodyPr wrap="square" rtlCol="0">
-            <a:spAutoFit/>
-          </a:bodyPr>
-          <a:lstStyle/>
-          <a:p>
-            <a:r>
-              <a:rPr lang="en-US" dirty="0" smtClean="0"/>
-              <a:t>Checklist</a:t>
-            </a:r>
-            <a:endParaRPr lang="en-US" dirty="0"/>
-          </a:p>
-        </p:txBody>
-      </p:sp>
-      <p:sp>
-        <p:nvSpPr>
-          <p:cNvPr id="6" name="Rounded Rectangle 5"/>
+          <p:cNvPr id="11" name="Rounded Rectangle 10"/>
           <p:cNvSpPr/>
           <p:nvPr/>
         </p:nvSpPr>
         <p:spPr>
           <a:xfrm>
-            <a:off x="990600" y="1371600"/>
-            <a:ext cx="152400" cy="152400"/>
+            <a:off x="76200" y="914400"/>
+            <a:ext cx="6705600" cy="2286000"/>
           </a:xfrm>
           <a:prstGeom prst="roundRect">
             <a:avLst/>
           </a:prstGeom>
+          <a:solidFill>
+            <a:schemeClr val="bg1"/>
+          </a:solidFill>
         </p:spPr>
         <p:style>
           <a:lnRef idx="2">
@@ -6095,14 +4841,14 @@
       </p:sp>
       <p:sp>
         <p:nvSpPr>
-          <p:cNvPr id="7" name="TextBox 6"/>
+          <p:cNvPr id="5" name="TextBox 4"/>
           <p:cNvSpPr txBox="1"/>
           <p:nvPr/>
         </p:nvSpPr>
         <p:spPr>
           <a:xfrm>
-            <a:off x="1295400" y="1295400"/>
-            <a:ext cx="1905000" cy="369332"/>
+            <a:off x="270164" y="990600"/>
+            <a:ext cx="1787236" cy="381000"/>
           </a:xfrm>
           <a:prstGeom prst="rect">
             <a:avLst/>
@@ -6117,7 +4863,7 @@
           <a:p>
             <a:r>
               <a:rPr lang="en-US" dirty="0" smtClean="0"/>
-              <a:t>abc</a:t>
+              <a:t>Customer Info</a:t>
             </a:r>
             <a:endParaRPr lang="en-US" dirty="0"/>
           </a:p>
@@ -6125,18 +4871,177 @@
       </p:sp>
       <p:sp>
         <p:nvSpPr>
-          <p:cNvPr id="8" name="Rounded Rectangle 7"/>
+          <p:cNvPr id="6" name="TextBox 5"/>
+          <p:cNvSpPr txBox="1"/>
+          <p:nvPr/>
+        </p:nvSpPr>
+        <p:spPr>
+          <a:xfrm>
+            <a:off x="1676400" y="1447800"/>
+            <a:ext cx="4648200" cy="369332"/>
+          </a:xfrm>
+          <a:prstGeom prst="rect">
+            <a:avLst/>
+          </a:prstGeom>
+          <a:noFill/>
+        </p:spPr>
+        <p:txBody>
+          <a:bodyPr wrap="square" rtlCol="0">
+            <a:spAutoFit/>
+          </a:bodyPr>
+          <a:lstStyle/>
+          <a:p>
+            <a:r>
+              <a:rPr lang="en-US" dirty="0" smtClean="0"/>
+              <a:t>Customer name:       Sachin Kothavade</a:t>
+            </a:r>
+            <a:endParaRPr lang="en-US" dirty="0"/>
+          </a:p>
+        </p:txBody>
+      </p:sp>
+      <p:sp>
+        <p:nvSpPr>
+          <p:cNvPr id="7" name="TextBox 6"/>
+          <p:cNvSpPr txBox="1"/>
+          <p:nvPr/>
+        </p:nvSpPr>
+        <p:spPr>
+          <a:xfrm>
+            <a:off x="1676400" y="1752600"/>
+            <a:ext cx="4648200" cy="369332"/>
+          </a:xfrm>
+          <a:prstGeom prst="rect">
+            <a:avLst/>
+          </a:prstGeom>
+          <a:noFill/>
+        </p:spPr>
+        <p:txBody>
+          <a:bodyPr wrap="square" rtlCol="0">
+            <a:spAutoFit/>
+          </a:bodyPr>
+          <a:lstStyle/>
+          <a:p>
+            <a:r>
+              <a:rPr lang="en-US" dirty="0" smtClean="0"/>
+              <a:t>Account number:      07864569349</a:t>
+            </a:r>
+            <a:endParaRPr lang="en-US" dirty="0"/>
+          </a:p>
+        </p:txBody>
+      </p:sp>
+      <p:sp>
+        <p:nvSpPr>
+          <p:cNvPr id="8" name="TextBox 7"/>
+          <p:cNvSpPr txBox="1"/>
+          <p:nvPr/>
+        </p:nvSpPr>
+        <p:spPr>
+          <a:xfrm>
+            <a:off x="1676400" y="2057400"/>
+            <a:ext cx="4648200" cy="369332"/>
+          </a:xfrm>
+          <a:prstGeom prst="rect">
+            <a:avLst/>
+          </a:prstGeom>
+          <a:noFill/>
+        </p:spPr>
+        <p:txBody>
+          <a:bodyPr wrap="square" rtlCol="0">
+            <a:spAutoFit/>
+          </a:bodyPr>
+          <a:lstStyle/>
+          <a:p>
+            <a:r>
+              <a:rPr lang="en-US" dirty="0" smtClean="0"/>
+              <a:t>Account Type:            Saving</a:t>
+            </a:r>
+            <a:endParaRPr lang="en-US" dirty="0"/>
+          </a:p>
+        </p:txBody>
+      </p:sp>
+      <p:sp>
+        <p:nvSpPr>
+          <p:cNvPr id="10" name="TextBox 9"/>
+          <p:cNvSpPr txBox="1"/>
+          <p:nvPr/>
+        </p:nvSpPr>
+        <p:spPr>
+          <a:xfrm>
+            <a:off x="1676400" y="2667000"/>
+            <a:ext cx="6096000" cy="369332"/>
+          </a:xfrm>
+          <a:prstGeom prst="rect">
+            <a:avLst/>
+          </a:prstGeom>
+          <a:noFill/>
+        </p:spPr>
+        <p:txBody>
+          <a:bodyPr wrap="square" rtlCol="0">
+            <a:spAutoFit/>
+          </a:bodyPr>
+          <a:lstStyle/>
+          <a:p>
+            <a:r>
+              <a:rPr lang="en-US" dirty="0" smtClean="0"/>
+              <a:t>Email Id:                      sachin.kothavade @gmail.com</a:t>
+            </a:r>
+            <a:endParaRPr lang="en-US" dirty="0"/>
+          </a:p>
+        </p:txBody>
+      </p:sp>
+      <p:sp>
+        <p:nvSpPr>
+          <p:cNvPr id="9" name="TextBox 8"/>
+          <p:cNvSpPr txBox="1"/>
+          <p:nvPr/>
+        </p:nvSpPr>
+        <p:spPr>
+          <a:xfrm>
+            <a:off x="1676400" y="2362200"/>
+            <a:ext cx="4648200" cy="369332"/>
+          </a:xfrm>
+          <a:prstGeom prst="rect">
+            <a:avLst/>
+          </a:prstGeom>
+          <a:solidFill>
+            <a:schemeClr val="bg1"/>
+          </a:solidFill>
+        </p:spPr>
+        <p:txBody>
+          <a:bodyPr wrap="square" rtlCol="0">
+            <a:spAutoFit/>
+          </a:bodyPr>
+          <a:lstStyle/>
+          <a:p>
+            <a:r>
+              <a:rPr lang="en-US" dirty="0" smtClean="0"/>
+              <a:t>Contact number:       </a:t>
+            </a:r>
+            <a:r>
+              <a:rPr lang="en-US" b="1" dirty="0" smtClean="0"/>
+              <a:t>9923605568</a:t>
+            </a:r>
+            <a:endParaRPr lang="en-US" b="1" dirty="0"/>
+          </a:p>
+        </p:txBody>
+      </p:sp>
+      <p:sp>
+        <p:nvSpPr>
+          <p:cNvPr id="14" name="Rounded Rectangle 13"/>
           <p:cNvSpPr/>
           <p:nvPr/>
         </p:nvSpPr>
         <p:spPr>
           <a:xfrm>
-            <a:off x="990600" y="1752600"/>
-            <a:ext cx="152400" cy="152400"/>
+            <a:off x="7225145" y="974375"/>
+            <a:ext cx="1524000" cy="4800600"/>
           </a:xfrm>
           <a:prstGeom prst="roundRect">
             <a:avLst/>
           </a:prstGeom>
+          <a:solidFill>
+            <a:schemeClr val="bg1"/>
+          </a:solidFill>
         </p:spPr>
         <p:style>
           <a:lnRef idx="2">
@@ -6158,60 +5063,30 @@
           <a:bodyPr rtlCol="0" anchor="ctr"/>
           <a:lstStyle/>
           <a:p>
-            <a:pPr algn="ctr"/>
-            <a:endParaRPr lang="en-US"/>
-          </a:p>
-        </p:txBody>
-      </p:sp>
-      <p:sp>
-        <p:nvSpPr>
-          <p:cNvPr id="9" name="TextBox 8"/>
-          <p:cNvSpPr txBox="1"/>
-          <p:nvPr/>
-        </p:nvSpPr>
-        <p:spPr>
-          <a:xfrm>
-            <a:off x="1295400" y="1676400"/>
-            <a:ext cx="1447800" cy="381000"/>
-          </a:xfrm>
-          <a:prstGeom prst="rect">
-            <a:avLst/>
-          </a:prstGeom>
-          <a:noFill/>
-        </p:spPr>
-        <p:txBody>
-          <a:bodyPr wrap="square" rtlCol="0">
-            <a:spAutoFit/>
-          </a:bodyPr>
-          <a:lstStyle/>
-          <a:p>
-            <a:r>
-              <a:rPr lang="en-US" dirty="0" smtClean="0"/>
-              <a:t>xyz</a:t>
-            </a:r>
+            <a:pPr marL="285750" indent="-285750" algn="ctr">
+              <a:buFont typeface="Arial" panose="020B0604020202020204" pitchFamily="34" charset="0"/>
+              <a:buChar char="•"/>
+            </a:pPr>
             <a:endParaRPr lang="en-US" dirty="0"/>
           </a:p>
         </p:txBody>
       </p:sp>
       <p:sp>
         <p:nvSpPr>
-          <p:cNvPr id="10" name="Rounded Rectangle 9"/>
+          <p:cNvPr id="23" name="Rounded Rectangle 22"/>
           <p:cNvSpPr/>
           <p:nvPr/>
         </p:nvSpPr>
         <p:spPr>
           <a:xfrm>
-            <a:off x="595745" y="2895600"/>
-            <a:ext cx="1156855" cy="457200"/>
+            <a:off x="76200" y="3733800"/>
+            <a:ext cx="6705600" cy="2819400"/>
           </a:xfrm>
           <a:prstGeom prst="roundRect">
             <a:avLst/>
           </a:prstGeom>
           <a:solidFill>
-            <a:schemeClr val="accent1">
-              <a:lumMod val="40000"/>
-              <a:lumOff val="60000"/>
-            </a:schemeClr>
+            <a:schemeClr val="bg1"/>
           </a:solidFill>
         </p:spPr>
         <p:style>
@@ -6235,17 +5110,90 @@
           <a:lstStyle/>
           <a:p>
             <a:pPr algn="ctr"/>
-            <a:r>
-              <a:rPr lang="en-US" dirty="0" smtClean="0">
+            <a:endParaRPr lang="en-US"/>
+          </a:p>
+        </p:txBody>
+      </p:sp>
+      <p:cxnSp>
+        <p:nvCxnSpPr>
+          <p:cNvPr id="13" name="Straight Connector 12"/>
+          <p:cNvCxnSpPr/>
+          <p:nvPr/>
+        </p:nvCxnSpPr>
+        <p:spPr>
+          <a:xfrm>
+            <a:off x="7606145" y="1844841"/>
+            <a:ext cx="0" cy="3625334"/>
+          </a:xfrm>
+          <a:prstGeom prst="line">
+            <a:avLst/>
+          </a:prstGeom>
+        </p:spPr>
+        <p:style>
+          <a:lnRef idx="1">
+            <a:schemeClr val="accent1"/>
+          </a:lnRef>
+          <a:fillRef idx="0">
+            <a:schemeClr val="accent1"/>
+          </a:fillRef>
+          <a:effectRef idx="0">
+            <a:schemeClr val="accent1"/>
+          </a:effectRef>
+          <a:fontRef idx="minor">
+            <a:schemeClr val="tx1"/>
+          </a:fontRef>
+        </p:style>
+      </p:cxnSp>
+      <p:sp>
+        <p:nvSpPr>
+          <p:cNvPr id="16" name="TextBox 15"/>
+          <p:cNvSpPr txBox="1"/>
+          <p:nvPr/>
+        </p:nvSpPr>
+        <p:spPr>
+          <a:xfrm>
+            <a:off x="7377544" y="1202975"/>
+            <a:ext cx="1283277" cy="292388"/>
+          </a:xfrm>
+          <a:prstGeom prst="rect">
+            <a:avLst/>
+          </a:prstGeom>
+          <a:noFill/>
+        </p:spPr>
+        <p:txBody>
+          <a:bodyPr wrap="square" rtlCol="0">
+            <a:spAutoFit/>
+          </a:bodyPr>
+          <a:lstStyle/>
+          <a:p>
+            <a:r>
+              <a:rPr lang="en-US" sz="1200" u="sng" dirty="0" smtClean="0">
                 <a:solidFill>
-                  <a:schemeClr val="tx1"/>
+                  <a:schemeClr val="tx2">
+                    <a:lumMod val="60000"/>
+                    <a:lumOff val="40000"/>
+                  </a:schemeClr>
                 </a:solidFill>
               </a:rPr>
-              <a:t>Submit</a:t>
-            </a:r>
-            <a:endParaRPr lang="en-US" dirty="0">
+              <a:t>Activity </a:t>
+            </a:r>
+            <a:r>
+              <a:rPr lang="en-US" sz="1300" u="sng" dirty="0" smtClean="0">
+                <a:solidFill>
+                  <a:schemeClr val="tx2">
+                    <a:lumMod val="60000"/>
+                    <a:lumOff val="40000"/>
+                  </a:schemeClr>
+                </a:solidFill>
+              </a:rPr>
+              <a:t>history</a:t>
+            </a:r>
+            <a:endParaRPr lang="en-US" sz="1300" u="sng" dirty="0">
               <a:solidFill>
-                <a:schemeClr val="tx1"/>
+                <a:schemeClr val="tx2">
+                  <a:lumMod val="60000"/>
+                  <a:lumOff val="40000"/>
+                </a:schemeClr>
               </a:solidFill>
             </a:endParaRPr>
           </a:p>
@@ -6253,23 +5201,23 @@
       </p:sp>
       <p:sp>
         <p:nvSpPr>
-          <p:cNvPr id="11" name="Rounded Rectangle 10"/>
+          <p:cNvPr id="17" name="Oval Callout 16"/>
           <p:cNvSpPr/>
           <p:nvPr/>
         </p:nvSpPr>
         <p:spPr>
           <a:xfrm>
-            <a:off x="1905000" y="2895600"/>
-            <a:ext cx="1156855" cy="457200"/>
-          </a:xfrm>
-          <a:prstGeom prst="roundRect">
-            <a:avLst/>
+            <a:off x="7891895" y="1526186"/>
+            <a:ext cx="723900" cy="609600"/>
+          </a:xfrm>
+          <a:prstGeom prst="wedgeEllipseCallout">
+            <a:avLst>
+              <a:gd name="adj1" fmla="val -87819"/>
+              <a:gd name="adj2" fmla="val 7955"/>
+            </a:avLst>
           </a:prstGeom>
           <a:solidFill>
-            <a:schemeClr val="accent1">
-              <a:lumMod val="40000"/>
-              <a:lumOff val="60000"/>
-            </a:schemeClr>
+            <a:schemeClr val="bg1"/>
           </a:solidFill>
         </p:spPr>
         <p:style>
@@ -6294,13 +5242,469 @@
           <a:p>
             <a:pPr algn="ctr"/>
             <a:r>
-              <a:rPr lang="en-US" dirty="0" smtClean="0">
+              <a:rPr lang="en-US" sz="900" dirty="0" smtClean="0">
                 <a:solidFill>
                   <a:schemeClr val="tx1"/>
                 </a:solidFill>
               </a:rPr>
-              <a:t>Cancel</a:t>
-            </a:r>
+              <a:t>Action Taken</a:t>
+            </a:r>
+            <a:endParaRPr lang="en-US" sz="900" dirty="0">
+              <a:solidFill>
+                <a:schemeClr val="tx1"/>
+              </a:solidFill>
+            </a:endParaRPr>
+          </a:p>
+        </p:txBody>
+      </p:sp>
+      <p:sp>
+        <p:nvSpPr>
+          <p:cNvPr id="19" name="Oval Callout 18"/>
+          <p:cNvSpPr/>
+          <p:nvPr/>
+        </p:nvSpPr>
+        <p:spPr>
+          <a:xfrm>
+            <a:off x="7891895" y="2422175"/>
+            <a:ext cx="723900" cy="609600"/>
+          </a:xfrm>
+          <a:prstGeom prst="wedgeEllipseCallout">
+            <a:avLst>
+              <a:gd name="adj1" fmla="val -87819"/>
+              <a:gd name="adj2" fmla="val 7955"/>
+            </a:avLst>
+          </a:prstGeom>
+          <a:solidFill>
+            <a:schemeClr val="bg1"/>
+          </a:solidFill>
+        </p:spPr>
+        <p:style>
+          <a:lnRef idx="2">
+            <a:schemeClr val="accent1">
+              <a:shade val="50000"/>
+            </a:schemeClr>
+          </a:lnRef>
+          <a:fillRef idx="1">
+            <a:schemeClr val="accent1"/>
+          </a:fillRef>
+          <a:effectRef idx="0">
+            <a:schemeClr val="accent1"/>
+          </a:effectRef>
+          <a:fontRef idx="minor">
+            <a:schemeClr val="lt1"/>
+          </a:fontRef>
+        </p:style>
+        <p:txBody>
+          <a:bodyPr rtlCol="0" anchor="ctr"/>
+          <a:lstStyle/>
+          <a:p>
+            <a:pPr algn="ctr"/>
+            <a:r>
+              <a:rPr lang="en-US" sz="900" dirty="0" smtClean="0">
+                <a:solidFill>
+                  <a:schemeClr val="tx1"/>
+                </a:solidFill>
+              </a:rPr>
+              <a:t>Action Taken</a:t>
+            </a:r>
+            <a:endParaRPr lang="en-US" sz="900" dirty="0">
+              <a:solidFill>
+                <a:schemeClr val="tx1"/>
+              </a:solidFill>
+            </a:endParaRPr>
+          </a:p>
+        </p:txBody>
+      </p:sp>
+      <p:sp>
+        <p:nvSpPr>
+          <p:cNvPr id="20" name="Oval Callout 19"/>
+          <p:cNvSpPr/>
+          <p:nvPr/>
+        </p:nvSpPr>
+        <p:spPr>
+          <a:xfrm>
+            <a:off x="7936922" y="3336575"/>
+            <a:ext cx="723900" cy="609600"/>
+          </a:xfrm>
+          <a:prstGeom prst="wedgeEllipseCallout">
+            <a:avLst>
+              <a:gd name="adj1" fmla="val -87819"/>
+              <a:gd name="adj2" fmla="val 7955"/>
+            </a:avLst>
+          </a:prstGeom>
+          <a:solidFill>
+            <a:schemeClr val="bg1"/>
+          </a:solidFill>
+        </p:spPr>
+        <p:style>
+          <a:lnRef idx="2">
+            <a:schemeClr val="accent1">
+              <a:shade val="50000"/>
+            </a:schemeClr>
+          </a:lnRef>
+          <a:fillRef idx="1">
+            <a:schemeClr val="accent1"/>
+          </a:fillRef>
+          <a:effectRef idx="0">
+            <a:schemeClr val="accent1"/>
+          </a:effectRef>
+          <a:fontRef idx="minor">
+            <a:schemeClr val="lt1"/>
+          </a:fontRef>
+        </p:style>
+        <p:txBody>
+          <a:bodyPr rtlCol="0" anchor="ctr"/>
+          <a:lstStyle/>
+          <a:p>
+            <a:pPr algn="ctr"/>
+            <a:r>
+              <a:rPr lang="en-US" sz="900" dirty="0" smtClean="0">
+                <a:solidFill>
+                  <a:schemeClr val="tx1"/>
+                </a:solidFill>
+              </a:rPr>
+              <a:t>Action Taken</a:t>
+            </a:r>
+            <a:endParaRPr lang="en-US" sz="900" dirty="0">
+              <a:solidFill>
+                <a:schemeClr val="tx1"/>
+              </a:solidFill>
+            </a:endParaRPr>
+          </a:p>
+        </p:txBody>
+      </p:sp>
+      <p:sp>
+        <p:nvSpPr>
+          <p:cNvPr id="21" name="Oval Callout 20"/>
+          <p:cNvSpPr/>
+          <p:nvPr/>
+        </p:nvSpPr>
+        <p:spPr>
+          <a:xfrm>
+            <a:off x="7910945" y="4174775"/>
+            <a:ext cx="723900" cy="609600"/>
+          </a:xfrm>
+          <a:prstGeom prst="wedgeEllipseCallout">
+            <a:avLst>
+              <a:gd name="adj1" fmla="val -87819"/>
+              <a:gd name="adj2" fmla="val 7955"/>
+            </a:avLst>
+          </a:prstGeom>
+          <a:solidFill>
+            <a:schemeClr val="bg1"/>
+          </a:solidFill>
+        </p:spPr>
+        <p:style>
+          <a:lnRef idx="2">
+            <a:schemeClr val="accent1">
+              <a:shade val="50000"/>
+            </a:schemeClr>
+          </a:lnRef>
+          <a:fillRef idx="1">
+            <a:schemeClr val="accent1"/>
+          </a:fillRef>
+          <a:effectRef idx="0">
+            <a:schemeClr val="accent1"/>
+          </a:effectRef>
+          <a:fontRef idx="minor">
+            <a:schemeClr val="lt1"/>
+          </a:fontRef>
+        </p:style>
+        <p:txBody>
+          <a:bodyPr rtlCol="0" anchor="ctr"/>
+          <a:lstStyle/>
+          <a:p>
+            <a:pPr algn="ctr"/>
+            <a:r>
+              <a:rPr lang="en-US" sz="900" dirty="0" smtClean="0">
+                <a:solidFill>
+                  <a:schemeClr val="tx1"/>
+                </a:solidFill>
+              </a:rPr>
+              <a:t>Action Taken</a:t>
+            </a:r>
+            <a:endParaRPr lang="en-US" sz="900" dirty="0">
+              <a:solidFill>
+                <a:schemeClr val="tx1"/>
+              </a:solidFill>
+            </a:endParaRPr>
+          </a:p>
+        </p:txBody>
+      </p:sp>
+      <p:sp>
+        <p:nvSpPr>
+          <p:cNvPr id="22" name="Oval Callout 21"/>
+          <p:cNvSpPr/>
+          <p:nvPr/>
+        </p:nvSpPr>
+        <p:spPr>
+          <a:xfrm>
+            <a:off x="7910945" y="4860575"/>
+            <a:ext cx="723900" cy="609600"/>
+          </a:xfrm>
+          <a:prstGeom prst="wedgeEllipseCallout">
+            <a:avLst>
+              <a:gd name="adj1" fmla="val -89733"/>
+              <a:gd name="adj2" fmla="val 51136"/>
+            </a:avLst>
+          </a:prstGeom>
+          <a:solidFill>
+            <a:schemeClr val="bg1"/>
+          </a:solidFill>
+        </p:spPr>
+        <p:style>
+          <a:lnRef idx="2">
+            <a:schemeClr val="accent1">
+              <a:shade val="50000"/>
+            </a:schemeClr>
+          </a:lnRef>
+          <a:fillRef idx="1">
+            <a:schemeClr val="accent1"/>
+          </a:fillRef>
+          <a:effectRef idx="0">
+            <a:schemeClr val="accent1"/>
+          </a:effectRef>
+          <a:fontRef idx="minor">
+            <a:schemeClr val="lt1"/>
+          </a:fontRef>
+        </p:style>
+        <p:txBody>
+          <a:bodyPr rtlCol="0" anchor="ctr"/>
+          <a:lstStyle/>
+          <a:p>
+            <a:pPr algn="ctr"/>
+            <a:r>
+              <a:rPr lang="en-US" sz="900" dirty="0" smtClean="0">
+                <a:solidFill>
+                  <a:schemeClr val="tx1"/>
+                </a:solidFill>
+              </a:rPr>
+              <a:t>Action Taken</a:t>
+            </a:r>
+            <a:endParaRPr lang="en-US" sz="900" dirty="0">
+              <a:solidFill>
+                <a:schemeClr val="tx1"/>
+              </a:solidFill>
+            </a:endParaRPr>
+          </a:p>
+        </p:txBody>
+      </p:sp>
+      <p:sp>
+        <p:nvSpPr>
+          <p:cNvPr id="24" name="TextBox 23"/>
+          <p:cNvSpPr txBox="1"/>
+          <p:nvPr/>
+        </p:nvSpPr>
+        <p:spPr>
+          <a:xfrm>
+            <a:off x="166254" y="3291244"/>
+            <a:ext cx="1814945" cy="307777"/>
+          </a:xfrm>
+          <a:prstGeom prst="rect">
+            <a:avLst/>
+          </a:prstGeom>
+          <a:noFill/>
+        </p:spPr>
+        <p:txBody>
+          <a:bodyPr wrap="square" rtlCol="0">
+            <a:spAutoFit/>
+          </a:bodyPr>
+          <a:lstStyle/>
+          <a:p>
+            <a:r>
+              <a:rPr lang="en-US" sz="1400" u="sng" dirty="0" smtClean="0">
+                <a:solidFill>
+                  <a:schemeClr val="tx2">
+                    <a:lumMod val="60000"/>
+                    <a:lumOff val="40000"/>
+                  </a:schemeClr>
+                </a:solidFill>
+              </a:rPr>
+              <a:t>Customer Feedback</a:t>
+            </a:r>
+            <a:endParaRPr lang="en-US" sz="1400" u="sng" dirty="0">
+              <a:solidFill>
+                <a:schemeClr val="tx2">
+                  <a:lumMod val="60000"/>
+                  <a:lumOff val="40000"/>
+                </a:schemeClr>
+              </a:solidFill>
+            </a:endParaRPr>
+          </a:p>
+        </p:txBody>
+      </p:sp>
+      <p:sp>
+        <p:nvSpPr>
+          <p:cNvPr id="26" name="TextBox 25"/>
+          <p:cNvSpPr txBox="1"/>
+          <p:nvPr/>
+        </p:nvSpPr>
+        <p:spPr>
+          <a:xfrm>
+            <a:off x="533400" y="3886200"/>
+            <a:ext cx="1766455" cy="369332"/>
+          </a:xfrm>
+          <a:prstGeom prst="rect">
+            <a:avLst/>
+          </a:prstGeom>
+          <a:noFill/>
+        </p:spPr>
+        <p:txBody>
+          <a:bodyPr wrap="square" rtlCol="0">
+            <a:spAutoFit/>
+          </a:bodyPr>
+          <a:lstStyle/>
+          <a:p>
+            <a:r>
+              <a:rPr lang="en-US" dirty="0" smtClean="0"/>
+              <a:t>Feedback</a:t>
+            </a:r>
+            <a:endParaRPr lang="en-US" dirty="0"/>
+          </a:p>
+        </p:txBody>
+      </p:sp>
+      <p:sp>
+        <p:nvSpPr>
+          <p:cNvPr id="27" name="TextBox 26"/>
+          <p:cNvSpPr txBox="1"/>
+          <p:nvPr/>
+        </p:nvSpPr>
+        <p:spPr>
+          <a:xfrm>
+            <a:off x="533400" y="4355068"/>
+            <a:ext cx="1794164" cy="369332"/>
+          </a:xfrm>
+          <a:prstGeom prst="rect">
+            <a:avLst/>
+          </a:prstGeom>
+          <a:noFill/>
+        </p:spPr>
+        <p:txBody>
+          <a:bodyPr wrap="square" rtlCol="0">
+            <a:spAutoFit/>
+          </a:bodyPr>
+          <a:lstStyle/>
+          <a:p>
+            <a:r>
+              <a:rPr lang="en-US" dirty="0" smtClean="0"/>
+              <a:t>Next Reminder</a:t>
+            </a:r>
+            <a:endParaRPr lang="en-US" dirty="0"/>
+          </a:p>
+        </p:txBody>
+      </p:sp>
+      <p:sp>
+        <p:nvSpPr>
+          <p:cNvPr id="28" name="TextBox 27"/>
+          <p:cNvSpPr txBox="1"/>
+          <p:nvPr/>
+        </p:nvSpPr>
+        <p:spPr>
+          <a:xfrm>
+            <a:off x="533400" y="4812268"/>
+            <a:ext cx="1794164" cy="369332"/>
+          </a:xfrm>
+          <a:prstGeom prst="rect">
+            <a:avLst/>
+          </a:prstGeom>
+          <a:noFill/>
+        </p:spPr>
+        <p:txBody>
+          <a:bodyPr wrap="square" rtlCol="0">
+            <a:spAutoFit/>
+          </a:bodyPr>
+          <a:lstStyle/>
+          <a:p>
+            <a:r>
+              <a:rPr lang="en-US" dirty="0" smtClean="0"/>
+              <a:t>Action</a:t>
+            </a:r>
+            <a:endParaRPr lang="en-US" dirty="0"/>
+          </a:p>
+        </p:txBody>
+      </p:sp>
+      <p:sp>
+        <p:nvSpPr>
+          <p:cNvPr id="32" name="Rectangle 31"/>
+          <p:cNvSpPr/>
+          <p:nvPr/>
+        </p:nvSpPr>
+        <p:spPr>
+          <a:xfrm>
+            <a:off x="2667000" y="3886200"/>
+            <a:ext cx="2362200" cy="369332"/>
+          </a:xfrm>
+          <a:prstGeom prst="rect">
+            <a:avLst/>
+          </a:prstGeom>
+          <a:solidFill>
+            <a:schemeClr val="bg1"/>
+          </a:solidFill>
+        </p:spPr>
+        <p:style>
+          <a:lnRef idx="2">
+            <a:schemeClr val="accent1">
+              <a:shade val="50000"/>
+            </a:schemeClr>
+          </a:lnRef>
+          <a:fillRef idx="1">
+            <a:schemeClr val="accent1"/>
+          </a:fillRef>
+          <a:effectRef idx="0">
+            <a:schemeClr val="accent1"/>
+          </a:effectRef>
+          <a:fontRef idx="minor">
+            <a:schemeClr val="lt1"/>
+          </a:fontRef>
+        </p:style>
+        <p:txBody>
+          <a:bodyPr rtlCol="0" anchor="ctr"/>
+          <a:lstStyle/>
+          <a:p>
+            <a:pPr algn="ctr"/>
+            <a:endParaRPr lang="en-US"/>
+          </a:p>
+        </p:txBody>
+      </p:sp>
+      <p:sp>
+        <p:nvSpPr>
+          <p:cNvPr id="33" name="Rectangle 32"/>
+          <p:cNvSpPr/>
+          <p:nvPr/>
+        </p:nvSpPr>
+        <p:spPr>
+          <a:xfrm>
+            <a:off x="2667000" y="4381500"/>
+            <a:ext cx="2362200" cy="342900"/>
+          </a:xfrm>
+          <a:prstGeom prst="rect">
+            <a:avLst/>
+          </a:prstGeom>
+          <a:solidFill>
+            <a:schemeClr val="bg1"/>
+          </a:solidFill>
+        </p:spPr>
+        <p:style>
+          <a:lnRef idx="2">
+            <a:schemeClr val="accent1">
+              <a:shade val="50000"/>
+            </a:schemeClr>
+          </a:lnRef>
+          <a:fillRef idx="1">
+            <a:schemeClr val="accent1"/>
+          </a:fillRef>
+          <a:effectRef idx="0">
+            <a:schemeClr val="accent1"/>
+          </a:effectRef>
+          <a:fontRef idx="minor">
+            <a:schemeClr val="lt1"/>
+          </a:fontRef>
+        </p:style>
+        <p:txBody>
+          <a:bodyPr rtlCol="0" anchor="ctr"/>
+          <a:lstStyle/>
+          <a:p>
+            <a:pPr algn="ctr"/>
             <a:endParaRPr lang="en-US" dirty="0">
               <a:solidFill>
                 <a:schemeClr val="tx1"/>
@@ -6309,10 +5713,298 @@
           </a:p>
         </p:txBody>
       </p:sp>
+      <p:sp>
+        <p:nvSpPr>
+          <p:cNvPr id="35" name="Rectangle 34"/>
+          <p:cNvSpPr/>
+          <p:nvPr/>
+        </p:nvSpPr>
+        <p:spPr>
+          <a:xfrm>
+            <a:off x="2667000" y="4845628"/>
+            <a:ext cx="2362200" cy="342900"/>
+          </a:xfrm>
+          <a:prstGeom prst="rect">
+            <a:avLst/>
+          </a:prstGeom>
+          <a:solidFill>
+            <a:schemeClr val="bg1"/>
+          </a:solidFill>
+        </p:spPr>
+        <p:style>
+          <a:lnRef idx="2">
+            <a:schemeClr val="accent1">
+              <a:shade val="50000"/>
+            </a:schemeClr>
+          </a:lnRef>
+          <a:fillRef idx="1">
+            <a:schemeClr val="accent1"/>
+          </a:fillRef>
+          <a:effectRef idx="0">
+            <a:schemeClr val="accent1"/>
+          </a:effectRef>
+          <a:fontRef idx="minor">
+            <a:schemeClr val="lt1"/>
+          </a:fontRef>
+        </p:style>
+        <p:txBody>
+          <a:bodyPr rtlCol="0" anchor="ctr"/>
+          <a:lstStyle/>
+          <a:p>
+            <a:pPr algn="ctr"/>
+            <a:endParaRPr lang="en-US"/>
+          </a:p>
+        </p:txBody>
+      </p:sp>
+      <p:sp>
+        <p:nvSpPr>
+          <p:cNvPr id="36" name="Action Button: Forward or Next 35">
+            <a:hlinkClick r:id="" action="ppaction://hlinkshowjump?jump=nextslide" highlightClick="1"/>
+          </p:cNvPr>
+          <p:cNvSpPr/>
+          <p:nvPr/>
+        </p:nvSpPr>
+        <p:spPr>
+          <a:xfrm rot="5400000">
+            <a:off x="4705346" y="4864679"/>
+            <a:ext cx="342901" cy="304799"/>
+          </a:xfrm>
+          <a:prstGeom prst="actionButtonForwardNext">
+            <a:avLst/>
+          </a:prstGeom>
+        </p:spPr>
+        <p:style>
+          <a:lnRef idx="2">
+            <a:schemeClr val="accent1">
+              <a:shade val="50000"/>
+            </a:schemeClr>
+          </a:lnRef>
+          <a:fillRef idx="1">
+            <a:schemeClr val="accent1"/>
+          </a:fillRef>
+          <a:effectRef idx="0">
+            <a:schemeClr val="accent1"/>
+          </a:effectRef>
+          <a:fontRef idx="minor">
+            <a:schemeClr val="lt1"/>
+          </a:fontRef>
+        </p:style>
+        <p:txBody>
+          <a:bodyPr rtlCol="0" anchor="ctr"/>
+          <a:lstStyle/>
+          <a:p>
+            <a:pPr algn="ctr"/>
+            <a:endParaRPr lang="en-US"/>
+          </a:p>
+        </p:txBody>
+      </p:sp>
+      <p:sp>
+        <p:nvSpPr>
+          <p:cNvPr id="37" name="TextBox 36"/>
+          <p:cNvSpPr txBox="1"/>
+          <p:nvPr/>
+        </p:nvSpPr>
+        <p:spPr>
+          <a:xfrm>
+            <a:off x="533400" y="5334000"/>
+            <a:ext cx="1794164" cy="369332"/>
+          </a:xfrm>
+          <a:prstGeom prst="rect">
+            <a:avLst/>
+          </a:prstGeom>
+          <a:noFill/>
+        </p:spPr>
+        <p:txBody>
+          <a:bodyPr wrap="square" rtlCol="0">
+            <a:spAutoFit/>
+          </a:bodyPr>
+          <a:lstStyle/>
+          <a:p>
+            <a:r>
+              <a:rPr lang="en-US" dirty="0" smtClean="0"/>
+              <a:t>Reason</a:t>
+            </a:r>
+            <a:endParaRPr lang="en-US" dirty="0"/>
+          </a:p>
+        </p:txBody>
+      </p:sp>
+      <p:sp>
+        <p:nvSpPr>
+          <p:cNvPr id="38" name="Rectangle 37"/>
+          <p:cNvSpPr/>
+          <p:nvPr/>
+        </p:nvSpPr>
+        <p:spPr>
+          <a:xfrm>
+            <a:off x="2667000" y="5347215"/>
+            <a:ext cx="2362200" cy="362869"/>
+          </a:xfrm>
+          <a:prstGeom prst="rect">
+            <a:avLst/>
+          </a:prstGeom>
+          <a:solidFill>
+            <a:schemeClr val="bg1"/>
+          </a:solidFill>
+        </p:spPr>
+        <p:style>
+          <a:lnRef idx="2">
+            <a:schemeClr val="accent1">
+              <a:shade val="50000"/>
+            </a:schemeClr>
+          </a:lnRef>
+          <a:fillRef idx="1">
+            <a:schemeClr val="accent1"/>
+          </a:fillRef>
+          <a:effectRef idx="0">
+            <a:schemeClr val="accent1"/>
+          </a:effectRef>
+          <a:fontRef idx="minor">
+            <a:schemeClr val="lt1"/>
+          </a:fontRef>
+        </p:style>
+        <p:txBody>
+          <a:bodyPr rtlCol="0" anchor="ctr"/>
+          <a:lstStyle/>
+          <a:p>
+            <a:pPr algn="ctr"/>
+            <a:endParaRPr lang="en-US"/>
+          </a:p>
+        </p:txBody>
+      </p:sp>
+      <p:sp>
+        <p:nvSpPr>
+          <p:cNvPr id="42" name="Oval Callout 41"/>
+          <p:cNvSpPr/>
+          <p:nvPr/>
+        </p:nvSpPr>
+        <p:spPr>
+          <a:xfrm>
+            <a:off x="5369813" y="4165342"/>
+            <a:ext cx="1324634" cy="965716"/>
+          </a:xfrm>
+          <a:prstGeom prst="wedgeEllipseCallout">
+            <a:avLst>
+              <a:gd name="adj1" fmla="val -75221"/>
+              <a:gd name="adj2" fmla="val 96931"/>
+            </a:avLst>
+          </a:prstGeom>
+          <a:solidFill>
+            <a:schemeClr val="bg1"/>
+          </a:solidFill>
+        </p:spPr>
+        <p:style>
+          <a:lnRef idx="2">
+            <a:schemeClr val="accent1">
+              <a:shade val="50000"/>
+            </a:schemeClr>
+          </a:lnRef>
+          <a:fillRef idx="1">
+            <a:schemeClr val="accent1"/>
+          </a:fillRef>
+          <a:effectRef idx="0">
+            <a:schemeClr val="accent1"/>
+          </a:effectRef>
+          <a:fontRef idx="minor">
+            <a:schemeClr val="lt1"/>
+          </a:fontRef>
+        </p:style>
+        <p:txBody>
+          <a:bodyPr rtlCol="0" anchor="ctr"/>
+          <a:lstStyle/>
+          <a:p>
+            <a:pPr algn="ctr"/>
+            <a:r>
+              <a:rPr lang="en-US" sz="1200" dirty="0" smtClean="0">
+                <a:solidFill>
+                  <a:schemeClr val="tx1"/>
+                </a:solidFill>
+              </a:rPr>
+              <a:t>Based on action reason populate</a:t>
+            </a:r>
+            <a:endParaRPr lang="en-US" sz="1200" dirty="0">
+              <a:solidFill>
+                <a:schemeClr val="tx1"/>
+              </a:solidFill>
+            </a:endParaRPr>
+          </a:p>
+        </p:txBody>
+      </p:sp>
+      <p:sp>
+        <p:nvSpPr>
+          <p:cNvPr id="34" name="Action Button: Forward or Next 33">
+            <a:hlinkClick r:id="" action="ppaction://hlinkshowjump?jump=nextslide" highlightClick="1"/>
+          </p:cNvPr>
+          <p:cNvSpPr/>
+          <p:nvPr/>
+        </p:nvSpPr>
+        <p:spPr>
+          <a:xfrm rot="5400000">
+            <a:off x="4719201" y="5366266"/>
+            <a:ext cx="342901" cy="304799"/>
+          </a:xfrm>
+          <a:prstGeom prst="actionButtonForwardNext">
+            <a:avLst/>
+          </a:prstGeom>
+        </p:spPr>
+        <p:style>
+          <a:lnRef idx="2">
+            <a:schemeClr val="accent1">
+              <a:shade val="50000"/>
+            </a:schemeClr>
+          </a:lnRef>
+          <a:fillRef idx="1">
+            <a:schemeClr val="accent1"/>
+          </a:fillRef>
+          <a:effectRef idx="0">
+            <a:schemeClr val="accent1"/>
+          </a:effectRef>
+          <a:fontRef idx="minor">
+            <a:schemeClr val="lt1"/>
+          </a:fontRef>
+        </p:style>
+        <p:txBody>
+          <a:bodyPr rtlCol="0" anchor="ctr"/>
+          <a:lstStyle/>
+          <a:p>
+            <a:pPr algn="ctr"/>
+            <a:endParaRPr lang="en-US"/>
+          </a:p>
+        </p:txBody>
+      </p:sp>
+      <p:sp>
+        <p:nvSpPr>
+          <p:cNvPr id="2" name="TextBox 1"/>
+          <p:cNvSpPr txBox="1"/>
+          <p:nvPr/>
+        </p:nvSpPr>
+        <p:spPr>
+          <a:xfrm>
+            <a:off x="5181600" y="6248400"/>
+            <a:ext cx="1371600" cy="369332"/>
+          </a:xfrm>
+          <a:prstGeom prst="rect">
+            <a:avLst/>
+          </a:prstGeom>
+          <a:noFill/>
+        </p:spPr>
+        <p:txBody>
+          <a:bodyPr wrap="square" rtlCol="0">
+            <a:spAutoFit/>
+          </a:bodyPr>
+          <a:lstStyle/>
+          <a:p>
+            <a:r>
+              <a:rPr lang="en-US" dirty="0" smtClean="0"/>
+              <a:t>Continue …</a:t>
+            </a:r>
+            <a:endParaRPr lang="en-US" dirty="0"/>
+          </a:p>
+        </p:txBody>
+      </p:sp>
     </p:spTree>
     <p:extLst>
       <p:ext uri="{BB962C8B-B14F-4D97-AF65-F5344CB8AC3E}">
-        <p14:creationId xmlns:p14="http://schemas.microsoft.com/office/powerpoint/2010/main" val="1785746171"/>
+        <p14:creationId xmlns:p14="http://schemas.microsoft.com/office/powerpoint/2010/main" val="94182129"/>
       </p:ext>
     </p:extLst>
   </p:cSld>
@@ -6348,6 +6040,376 @@
       </p:grpSpPr>
       <p:sp>
         <p:nvSpPr>
+          <p:cNvPr id="4" name="Rounded Rectangle 3"/>
+          <p:cNvSpPr/>
+          <p:nvPr/>
+        </p:nvSpPr>
+        <p:spPr>
+          <a:xfrm>
+            <a:off x="533400" y="609600"/>
+            <a:ext cx="2895600" cy="1828800"/>
+          </a:xfrm>
+          <a:prstGeom prst="roundRect">
+            <a:avLst/>
+          </a:prstGeom>
+          <a:solidFill>
+            <a:schemeClr val="bg1"/>
+          </a:solidFill>
+        </p:spPr>
+        <p:style>
+          <a:lnRef idx="2">
+            <a:schemeClr val="accent1">
+              <a:shade val="50000"/>
+            </a:schemeClr>
+          </a:lnRef>
+          <a:fillRef idx="1">
+            <a:schemeClr val="accent1"/>
+          </a:fillRef>
+          <a:effectRef idx="0">
+            <a:schemeClr val="accent1"/>
+          </a:effectRef>
+          <a:fontRef idx="minor">
+            <a:schemeClr val="lt1"/>
+          </a:fontRef>
+        </p:style>
+        <p:txBody>
+          <a:bodyPr rtlCol="0" anchor="ctr"/>
+          <a:lstStyle/>
+          <a:p>
+            <a:pPr algn="ctr"/>
+            <a:endParaRPr lang="en-US">
+              <a:solidFill>
+                <a:schemeClr val="tx1"/>
+              </a:solidFill>
+            </a:endParaRPr>
+          </a:p>
+        </p:txBody>
+      </p:sp>
+      <p:sp>
+        <p:nvSpPr>
+          <p:cNvPr id="5" name="TextBox 4"/>
+          <p:cNvSpPr txBox="1"/>
+          <p:nvPr/>
+        </p:nvSpPr>
+        <p:spPr>
+          <a:xfrm>
+            <a:off x="838200" y="838200"/>
+            <a:ext cx="1066800" cy="381000"/>
+          </a:xfrm>
+          <a:prstGeom prst="rect">
+            <a:avLst/>
+          </a:prstGeom>
+          <a:noFill/>
+        </p:spPr>
+        <p:txBody>
+          <a:bodyPr wrap="square" rtlCol="0">
+            <a:spAutoFit/>
+          </a:bodyPr>
+          <a:lstStyle/>
+          <a:p>
+            <a:r>
+              <a:rPr lang="en-US" dirty="0" smtClean="0"/>
+              <a:t>Checklist</a:t>
+            </a:r>
+            <a:endParaRPr lang="en-US" dirty="0"/>
+          </a:p>
+        </p:txBody>
+      </p:sp>
+      <p:sp>
+        <p:nvSpPr>
+          <p:cNvPr id="6" name="Rounded Rectangle 5"/>
+          <p:cNvSpPr/>
+          <p:nvPr/>
+        </p:nvSpPr>
+        <p:spPr>
+          <a:xfrm>
+            <a:off x="990600" y="1371600"/>
+            <a:ext cx="152400" cy="152400"/>
+          </a:xfrm>
+          <a:prstGeom prst="roundRect">
+            <a:avLst/>
+          </a:prstGeom>
+        </p:spPr>
+        <p:style>
+          <a:lnRef idx="2">
+            <a:schemeClr val="accent1">
+              <a:shade val="50000"/>
+            </a:schemeClr>
+          </a:lnRef>
+          <a:fillRef idx="1">
+            <a:schemeClr val="accent1"/>
+          </a:fillRef>
+          <a:effectRef idx="0">
+            <a:schemeClr val="accent1"/>
+          </a:effectRef>
+          <a:fontRef idx="minor">
+            <a:schemeClr val="lt1"/>
+          </a:fontRef>
+        </p:style>
+        <p:txBody>
+          <a:bodyPr rtlCol="0" anchor="ctr"/>
+          <a:lstStyle/>
+          <a:p>
+            <a:pPr algn="ctr"/>
+            <a:endParaRPr lang="en-US"/>
+          </a:p>
+        </p:txBody>
+      </p:sp>
+      <p:sp>
+        <p:nvSpPr>
+          <p:cNvPr id="7" name="TextBox 6"/>
+          <p:cNvSpPr txBox="1"/>
+          <p:nvPr/>
+        </p:nvSpPr>
+        <p:spPr>
+          <a:xfrm>
+            <a:off x="1295400" y="1295400"/>
+            <a:ext cx="1905000" cy="369332"/>
+          </a:xfrm>
+          <a:prstGeom prst="rect">
+            <a:avLst/>
+          </a:prstGeom>
+          <a:noFill/>
+        </p:spPr>
+        <p:txBody>
+          <a:bodyPr wrap="square" rtlCol="0">
+            <a:spAutoFit/>
+          </a:bodyPr>
+          <a:lstStyle/>
+          <a:p>
+            <a:r>
+              <a:rPr lang="en-US" dirty="0" smtClean="0"/>
+              <a:t>abc</a:t>
+            </a:r>
+            <a:endParaRPr lang="en-US" dirty="0"/>
+          </a:p>
+        </p:txBody>
+      </p:sp>
+      <p:sp>
+        <p:nvSpPr>
+          <p:cNvPr id="8" name="Rounded Rectangle 7"/>
+          <p:cNvSpPr/>
+          <p:nvPr/>
+        </p:nvSpPr>
+        <p:spPr>
+          <a:xfrm>
+            <a:off x="990600" y="1752600"/>
+            <a:ext cx="152400" cy="152400"/>
+          </a:xfrm>
+          <a:prstGeom prst="roundRect">
+            <a:avLst/>
+          </a:prstGeom>
+        </p:spPr>
+        <p:style>
+          <a:lnRef idx="2">
+            <a:schemeClr val="accent1">
+              <a:shade val="50000"/>
+            </a:schemeClr>
+          </a:lnRef>
+          <a:fillRef idx="1">
+            <a:schemeClr val="accent1"/>
+          </a:fillRef>
+          <a:effectRef idx="0">
+            <a:schemeClr val="accent1"/>
+          </a:effectRef>
+          <a:fontRef idx="minor">
+            <a:schemeClr val="lt1"/>
+          </a:fontRef>
+        </p:style>
+        <p:txBody>
+          <a:bodyPr rtlCol="0" anchor="ctr"/>
+          <a:lstStyle/>
+          <a:p>
+            <a:pPr algn="ctr"/>
+            <a:endParaRPr lang="en-US"/>
+          </a:p>
+        </p:txBody>
+      </p:sp>
+      <p:sp>
+        <p:nvSpPr>
+          <p:cNvPr id="9" name="TextBox 8"/>
+          <p:cNvSpPr txBox="1"/>
+          <p:nvPr/>
+        </p:nvSpPr>
+        <p:spPr>
+          <a:xfrm>
+            <a:off x="1295400" y="1676400"/>
+            <a:ext cx="1447800" cy="381000"/>
+          </a:xfrm>
+          <a:prstGeom prst="rect">
+            <a:avLst/>
+          </a:prstGeom>
+          <a:noFill/>
+        </p:spPr>
+        <p:txBody>
+          <a:bodyPr wrap="square" rtlCol="0">
+            <a:spAutoFit/>
+          </a:bodyPr>
+          <a:lstStyle/>
+          <a:p>
+            <a:r>
+              <a:rPr lang="en-US" dirty="0" smtClean="0"/>
+              <a:t>xyz</a:t>
+            </a:r>
+            <a:endParaRPr lang="en-US" dirty="0"/>
+          </a:p>
+        </p:txBody>
+      </p:sp>
+      <p:sp>
+        <p:nvSpPr>
+          <p:cNvPr id="10" name="Rounded Rectangle 9"/>
+          <p:cNvSpPr/>
+          <p:nvPr/>
+        </p:nvSpPr>
+        <p:spPr>
+          <a:xfrm>
+            <a:off x="595745" y="2895600"/>
+            <a:ext cx="1156855" cy="457200"/>
+          </a:xfrm>
+          <a:prstGeom prst="roundRect">
+            <a:avLst/>
+          </a:prstGeom>
+          <a:solidFill>
+            <a:schemeClr val="accent1">
+              <a:lumMod val="40000"/>
+              <a:lumOff val="60000"/>
+            </a:schemeClr>
+          </a:solidFill>
+        </p:spPr>
+        <p:style>
+          <a:lnRef idx="2">
+            <a:schemeClr val="accent1">
+              <a:shade val="50000"/>
+            </a:schemeClr>
+          </a:lnRef>
+          <a:fillRef idx="1">
+            <a:schemeClr val="accent1"/>
+          </a:fillRef>
+          <a:effectRef idx="0">
+            <a:schemeClr val="accent1"/>
+          </a:effectRef>
+          <a:fontRef idx="minor">
+            <a:schemeClr val="lt1"/>
+          </a:fontRef>
+        </p:style>
+        <p:txBody>
+          <a:bodyPr rtlCol="0" anchor="ctr"/>
+          <a:lstStyle/>
+          <a:p>
+            <a:pPr algn="ctr"/>
+            <a:r>
+              <a:rPr lang="en-US" dirty="0" smtClean="0">
+                <a:solidFill>
+                  <a:schemeClr val="tx1"/>
+                </a:solidFill>
+              </a:rPr>
+              <a:t>Submit</a:t>
+            </a:r>
+            <a:endParaRPr lang="en-US" dirty="0">
+              <a:solidFill>
+                <a:schemeClr val="tx1"/>
+              </a:solidFill>
+            </a:endParaRPr>
+          </a:p>
+        </p:txBody>
+      </p:sp>
+      <p:sp>
+        <p:nvSpPr>
+          <p:cNvPr id="11" name="Rounded Rectangle 10"/>
+          <p:cNvSpPr/>
+          <p:nvPr/>
+        </p:nvSpPr>
+        <p:spPr>
+          <a:xfrm>
+            <a:off x="1905000" y="2895600"/>
+            <a:ext cx="1156855" cy="457200"/>
+          </a:xfrm>
+          <a:prstGeom prst="roundRect">
+            <a:avLst/>
+          </a:prstGeom>
+          <a:solidFill>
+            <a:schemeClr val="accent1">
+              <a:lumMod val="40000"/>
+              <a:lumOff val="60000"/>
+            </a:schemeClr>
+          </a:solidFill>
+        </p:spPr>
+        <p:style>
+          <a:lnRef idx="2">
+            <a:schemeClr val="accent1">
+              <a:shade val="50000"/>
+            </a:schemeClr>
+          </a:lnRef>
+          <a:fillRef idx="1">
+            <a:schemeClr val="accent1"/>
+          </a:fillRef>
+          <a:effectRef idx="0">
+            <a:schemeClr val="accent1"/>
+          </a:effectRef>
+          <a:fontRef idx="minor">
+            <a:schemeClr val="lt1"/>
+          </a:fontRef>
+        </p:style>
+        <p:txBody>
+          <a:bodyPr rtlCol="0" anchor="ctr"/>
+          <a:lstStyle/>
+          <a:p>
+            <a:pPr algn="ctr"/>
+            <a:r>
+              <a:rPr lang="en-US" dirty="0" smtClean="0">
+                <a:solidFill>
+                  <a:schemeClr val="tx1"/>
+                </a:solidFill>
+              </a:rPr>
+              <a:t>Cancel</a:t>
+            </a:r>
+            <a:endParaRPr lang="en-US" dirty="0">
+              <a:solidFill>
+                <a:schemeClr val="tx1"/>
+              </a:solidFill>
+            </a:endParaRPr>
+          </a:p>
+        </p:txBody>
+      </p:sp>
+    </p:spTree>
+    <p:extLst>
+      <p:ext uri="{BB962C8B-B14F-4D97-AF65-F5344CB8AC3E}">
+        <p14:creationId xmlns:p14="http://schemas.microsoft.com/office/powerpoint/2010/main" val="1785746171"/>
+      </p:ext>
+    </p:extLst>
+  </p:cSld>
+  <p:clrMapOvr>
+    <a:masterClrMapping/>
+  </p:clrMapOvr>
+  <p:timing>
+    <p:tnLst>
+      <p:par>
+        <p:cTn id="1" dur="indefinite" restart="never" nodeType="tmRoot"/>
+      </p:par>
+    </p:tnLst>
+  </p:timing>
+</p:sld>
+</file>
+
+<file path=ppt/slides/slide7.xml><?xml version="1.0" encoding="utf-8"?>
+<p:sld xmlns:a="http://schemas.openxmlformats.org/drawingml/2006/main" xmlns:r="http://schemas.openxmlformats.org/officeDocument/2006/relationships" xmlns:p="http://schemas.openxmlformats.org/presentationml/2006/main">
+  <p:cSld>
+    <p:spTree>
+      <p:nvGrpSpPr>
+        <p:cNvPr id="1" name=""/>
+        <p:cNvGrpSpPr/>
+        <p:nvPr/>
+      </p:nvGrpSpPr>
+      <p:grpSpPr>
+        <a:xfrm>
+          <a:off x="0" y="0"/>
+          <a:ext cx="0" cy="0"/>
+          <a:chOff x="0" y="0"/>
+          <a:chExt cx="0" cy="0"/>
+        </a:xfrm>
+      </p:grpSpPr>
+      <p:sp>
+        <p:nvSpPr>
           <p:cNvPr id="4" name="TextBox 3"/>
           <p:cNvSpPr txBox="1"/>
           <p:nvPr/>
@@ -6398,7 +6460,7 @@
 </p:sld>
 </file>
 
-<file path=ppt/slides/slide7.xml><?xml version="1.0" encoding="utf-8"?>
+<file path=ppt/slides/slide8.xml><?xml version="1.0" encoding="utf-8"?>
 <p:sld xmlns:a="http://schemas.openxmlformats.org/drawingml/2006/main" xmlns:r="http://schemas.openxmlformats.org/officeDocument/2006/relationships" xmlns:p="http://schemas.openxmlformats.org/presentationml/2006/main">
   <p:cSld>
     <p:spTree>
@@ -7084,6 +7146,64 @@
       </p:par>
     </p:tnLst>
   </p:timing>
+</p:sld>
+</file>
+
+<file path=ppt/slides/slide9.xml><?xml version="1.0" encoding="utf-8"?>
+<p:sld xmlns:a="http://schemas.openxmlformats.org/drawingml/2006/main" xmlns:r="http://schemas.openxmlformats.org/officeDocument/2006/relationships" xmlns:p="http://schemas.openxmlformats.org/presentationml/2006/main">
+  <p:cSld>
+    <p:spTree>
+      <p:nvGrpSpPr>
+        <p:cNvPr id="1" name=""/>
+        <p:cNvGrpSpPr/>
+        <p:nvPr/>
+      </p:nvGrpSpPr>
+      <p:grpSpPr>
+        <a:xfrm>
+          <a:off x="0" y="0"/>
+          <a:ext cx="0" cy="0"/>
+          <a:chOff x="0" y="0"/>
+          <a:chExt cx="0" cy="0"/>
+        </a:xfrm>
+      </p:grpSpPr>
+      <p:sp>
+        <p:nvSpPr>
+          <p:cNvPr id="2" name="Title 1"/>
+          <p:cNvSpPr>
+            <a:spLocks noGrp="1"/>
+          </p:cNvSpPr>
+          <p:nvPr>
+            <p:ph type="title"/>
+          </p:nvPr>
+        </p:nvSpPr>
+        <p:spPr>
+          <a:xfrm>
+            <a:off x="381000" y="2895600"/>
+            <a:ext cx="8229600" cy="1143000"/>
+          </a:xfrm>
+        </p:spPr>
+        <p:txBody>
+          <a:bodyPr/>
+          <a:lstStyle/>
+          <a:p>
+            <a:r>
+              <a:rPr lang="en-US" dirty="0" smtClean="0"/>
+              <a:t>Thank You</a:t>
+            </a:r>
+            <a:endParaRPr lang="en-US" dirty="0"/>
+          </a:p>
+        </p:txBody>
+      </p:sp>
+    </p:spTree>
+    <p:extLst>
+      <p:ext uri="{BB962C8B-B14F-4D97-AF65-F5344CB8AC3E}">
+        <p14:creationId xmlns:p14="http://schemas.microsoft.com/office/powerpoint/2010/main" val="1188966462"/>
+      </p:ext>
+    </p:extLst>
+  </p:cSld>
+  <p:clrMapOvr>
+    <a:masterClrMapping/>
+  </p:clrMapOvr>
 </p:sld>
 </file>
 
